--- a/ZeeslagPresentatie.pptx
+++ b/ZeeslagPresentatie.pptx
@@ -4,17 +4,22 @@
   <p:sldMasterIdLst>
     <p:sldMasterId id="2147483648" r:id="rId1"/>
   </p:sldMasterIdLst>
+  <p:notesMasterIdLst>
+    <p:notesMasterId r:id="rId14"/>
+  </p:notesMasterIdLst>
   <p:sldIdLst>
     <p:sldId id="256" r:id="rId2"/>
     <p:sldId id="257" r:id="rId3"/>
-    <p:sldId id="258" r:id="rId4"/>
-    <p:sldId id="259" r:id="rId5"/>
-    <p:sldId id="260" r:id="rId6"/>
+    <p:sldId id="267" r:id="rId4"/>
+    <p:sldId id="258" r:id="rId5"/>
+    <p:sldId id="268" r:id="rId6"/>
     <p:sldId id="261" r:id="rId7"/>
     <p:sldId id="263" r:id="rId8"/>
     <p:sldId id="262" r:id="rId9"/>
     <p:sldId id="264" r:id="rId10"/>
-    <p:sldId id="265" r:id="rId11"/>
+    <p:sldId id="269" r:id="rId11"/>
+    <p:sldId id="270" r:id="rId12"/>
+    <p:sldId id="265" r:id="rId13"/>
   </p:sldIdLst>
   <p:sldSz cx="9144000" cy="6858000" type="screen4x3"/>
   <p:notesSz cx="6858000" cy="9144000"/>
@@ -116,6 +121,636 @@
 </p:presentation>
 </file>
 
+<file path=ppt/notesMasters/notesMaster1.xml><?xml version="1.0" encoding="utf-8"?>
+<p:notesMaster xmlns:a="http://schemas.openxmlformats.org/drawingml/2006/main" xmlns:r="http://schemas.openxmlformats.org/officeDocument/2006/relationships" xmlns:p="http://schemas.openxmlformats.org/presentationml/2006/main">
+  <p:cSld>
+    <p:bg>
+      <p:bgRef idx="1001">
+        <a:schemeClr val="bg1"/>
+      </p:bgRef>
+    </p:bg>
+    <p:spTree>
+      <p:nvGrpSpPr>
+        <p:cNvPr id="1" name=""/>
+        <p:cNvGrpSpPr/>
+        <p:nvPr/>
+      </p:nvGrpSpPr>
+      <p:grpSpPr>
+        <a:xfrm>
+          <a:off x="0" y="0"/>
+          <a:ext cx="0" cy="0"/>
+          <a:chOff x="0" y="0"/>
+          <a:chExt cx="0" cy="0"/>
+        </a:xfrm>
+      </p:grpSpPr>
+      <p:sp>
+        <p:nvSpPr>
+          <p:cNvPr id="2" name="Tijdelijke aanduiding voor koptekst 1"/>
+          <p:cNvSpPr>
+            <a:spLocks noGrp="1"/>
+          </p:cNvSpPr>
+          <p:nvPr>
+            <p:ph type="hdr" sz="quarter"/>
+          </p:nvPr>
+        </p:nvSpPr>
+        <p:spPr>
+          <a:xfrm>
+            <a:off x="0" y="0"/>
+            <a:ext cx="2971800" cy="457200"/>
+          </a:xfrm>
+          <a:prstGeom prst="rect">
+            <a:avLst/>
+          </a:prstGeom>
+        </p:spPr>
+        <p:txBody>
+          <a:bodyPr vert="horz" lIns="91440" tIns="45720" rIns="91440" bIns="45720" rtlCol="0"/>
+          <a:lstStyle>
+            <a:lvl1pPr algn="l">
+              <a:defRPr sz="1200"/>
+            </a:lvl1pPr>
+          </a:lstStyle>
+          <a:p>
+            <a:endParaRPr lang="nl-NL"/>
+          </a:p>
+        </p:txBody>
+      </p:sp>
+      <p:sp>
+        <p:nvSpPr>
+          <p:cNvPr id="3" name="Tijdelijke aanduiding voor datum 2"/>
+          <p:cNvSpPr>
+            <a:spLocks noGrp="1"/>
+          </p:cNvSpPr>
+          <p:nvPr>
+            <p:ph type="dt" idx="1"/>
+          </p:nvPr>
+        </p:nvSpPr>
+        <p:spPr>
+          <a:xfrm>
+            <a:off x="3884613" y="0"/>
+            <a:ext cx="2971800" cy="457200"/>
+          </a:xfrm>
+          <a:prstGeom prst="rect">
+            <a:avLst/>
+          </a:prstGeom>
+        </p:spPr>
+        <p:txBody>
+          <a:bodyPr vert="horz" lIns="91440" tIns="45720" rIns="91440" bIns="45720" rtlCol="0"/>
+          <a:lstStyle>
+            <a:lvl1pPr algn="r">
+              <a:defRPr sz="1200"/>
+            </a:lvl1pPr>
+          </a:lstStyle>
+          <a:p>
+            <a:fld id="{918A98E7-70C6-4111-A659-6171339D4FA8}" type="datetimeFigureOut">
+              <a:rPr lang="nl-NL" smtClean="0"/>
+              <a:t>18-11-2015</a:t>
+            </a:fld>
+            <a:endParaRPr lang="nl-NL"/>
+          </a:p>
+        </p:txBody>
+      </p:sp>
+      <p:sp>
+        <p:nvSpPr>
+          <p:cNvPr id="4" name="Tijdelijke aanduiding voor dia-afbeelding 3"/>
+          <p:cNvSpPr>
+            <a:spLocks noGrp="1" noRot="1" noChangeAspect="1"/>
+          </p:cNvSpPr>
+          <p:nvPr>
+            <p:ph type="sldImg" idx="2"/>
+          </p:nvPr>
+        </p:nvSpPr>
+        <p:spPr>
+          <a:xfrm>
+            <a:off x="1143000" y="685800"/>
+            <a:ext cx="4572000" cy="3429000"/>
+          </a:xfrm>
+          <a:prstGeom prst="rect">
+            <a:avLst/>
+          </a:prstGeom>
+          <a:noFill/>
+          <a:ln w="12700">
+            <a:solidFill>
+              <a:prstClr val="black"/>
+            </a:solidFill>
+          </a:ln>
+        </p:spPr>
+        <p:txBody>
+          <a:bodyPr vert="horz" lIns="91440" tIns="45720" rIns="91440" bIns="45720" rtlCol="0" anchor="ctr"/>
+          <a:lstStyle/>
+          <a:p>
+            <a:endParaRPr lang="nl-NL"/>
+          </a:p>
+        </p:txBody>
+      </p:sp>
+      <p:sp>
+        <p:nvSpPr>
+          <p:cNvPr id="5" name="Tijdelijke aanduiding voor notities 4"/>
+          <p:cNvSpPr>
+            <a:spLocks noGrp="1"/>
+          </p:cNvSpPr>
+          <p:nvPr>
+            <p:ph type="body" sz="quarter" idx="3"/>
+          </p:nvPr>
+        </p:nvSpPr>
+        <p:spPr>
+          <a:xfrm>
+            <a:off x="685800" y="4343400"/>
+            <a:ext cx="5486400" cy="4114800"/>
+          </a:xfrm>
+          <a:prstGeom prst="rect">
+            <a:avLst/>
+          </a:prstGeom>
+        </p:spPr>
+        <p:txBody>
+          <a:bodyPr vert="horz" lIns="91440" tIns="45720" rIns="91440" bIns="45720" rtlCol="0"/>
+          <a:lstStyle/>
+          <a:p>
+            <a:pPr lvl="0"/>
+            <a:r>
+              <a:rPr lang="nl-NL" smtClean="0"/>
+              <a:t>Klik om de modelstijlen te bewerken</a:t>
+            </a:r>
+          </a:p>
+          <a:p>
+            <a:pPr lvl="1"/>
+            <a:r>
+              <a:rPr lang="nl-NL" smtClean="0"/>
+              <a:t>Tweede niveau</a:t>
+            </a:r>
+          </a:p>
+          <a:p>
+            <a:pPr lvl="2"/>
+            <a:r>
+              <a:rPr lang="nl-NL" smtClean="0"/>
+              <a:t>Derde niveau</a:t>
+            </a:r>
+          </a:p>
+          <a:p>
+            <a:pPr lvl="3"/>
+            <a:r>
+              <a:rPr lang="nl-NL" smtClean="0"/>
+              <a:t>Vierde niveau</a:t>
+            </a:r>
+          </a:p>
+          <a:p>
+            <a:pPr lvl="4"/>
+            <a:r>
+              <a:rPr lang="nl-NL" smtClean="0"/>
+              <a:t>Vijfde niveau</a:t>
+            </a:r>
+            <a:endParaRPr lang="nl-NL"/>
+          </a:p>
+        </p:txBody>
+      </p:sp>
+      <p:sp>
+        <p:nvSpPr>
+          <p:cNvPr id="6" name="Tijdelijke aanduiding voor voettekst 5"/>
+          <p:cNvSpPr>
+            <a:spLocks noGrp="1"/>
+          </p:cNvSpPr>
+          <p:nvPr>
+            <p:ph type="ftr" sz="quarter" idx="4"/>
+          </p:nvPr>
+        </p:nvSpPr>
+        <p:spPr>
+          <a:xfrm>
+            <a:off x="0" y="8685213"/>
+            <a:ext cx="2971800" cy="457200"/>
+          </a:xfrm>
+          <a:prstGeom prst="rect">
+            <a:avLst/>
+          </a:prstGeom>
+        </p:spPr>
+        <p:txBody>
+          <a:bodyPr vert="horz" lIns="91440" tIns="45720" rIns="91440" bIns="45720" rtlCol="0" anchor="b"/>
+          <a:lstStyle>
+            <a:lvl1pPr algn="l">
+              <a:defRPr sz="1200"/>
+            </a:lvl1pPr>
+          </a:lstStyle>
+          <a:p>
+            <a:endParaRPr lang="nl-NL"/>
+          </a:p>
+        </p:txBody>
+      </p:sp>
+      <p:sp>
+        <p:nvSpPr>
+          <p:cNvPr id="7" name="Tijdelijke aanduiding voor dianummer 6"/>
+          <p:cNvSpPr>
+            <a:spLocks noGrp="1"/>
+          </p:cNvSpPr>
+          <p:nvPr>
+            <p:ph type="sldNum" sz="quarter" idx="5"/>
+          </p:nvPr>
+        </p:nvSpPr>
+        <p:spPr>
+          <a:xfrm>
+            <a:off x="3884613" y="8685213"/>
+            <a:ext cx="2971800" cy="457200"/>
+          </a:xfrm>
+          <a:prstGeom prst="rect">
+            <a:avLst/>
+          </a:prstGeom>
+        </p:spPr>
+        <p:txBody>
+          <a:bodyPr vert="horz" lIns="91440" tIns="45720" rIns="91440" bIns="45720" rtlCol="0" anchor="b"/>
+          <a:lstStyle>
+            <a:lvl1pPr algn="r">
+              <a:defRPr sz="1200"/>
+            </a:lvl1pPr>
+          </a:lstStyle>
+          <a:p>
+            <a:fld id="{AAC735D7-A72F-4ADE-A7EF-DE7286408317}" type="slidenum">
+              <a:rPr lang="nl-NL" smtClean="0"/>
+              <a:t>‹nr.›</a:t>
+            </a:fld>
+            <a:endParaRPr lang="nl-NL"/>
+          </a:p>
+        </p:txBody>
+      </p:sp>
+    </p:spTree>
+    <p:extLst>
+      <p:ext uri="{BB962C8B-B14F-4D97-AF65-F5344CB8AC3E}">
+        <p14:creationId xmlns:p14="http://schemas.microsoft.com/office/powerpoint/2010/main" val="277593819"/>
+      </p:ext>
+    </p:extLst>
+  </p:cSld>
+  <p:clrMap bg1="lt1" tx1="dk1" bg2="lt2" tx2="dk2" accent1="accent1" accent2="accent2" accent3="accent3" accent4="accent4" accent5="accent5" accent6="accent6" hlink="hlink" folHlink="folHlink"/>
+  <p:notesStyle>
+    <a:lvl1pPr marL="0" algn="l" defTabSz="914400" rtl="0" eaLnBrk="1" latinLnBrk="0" hangingPunct="1">
+      <a:defRPr sz="1200" kern="1200">
+        <a:solidFill>
+          <a:schemeClr val="tx1"/>
+        </a:solidFill>
+        <a:latin typeface="+mn-lt"/>
+        <a:ea typeface="+mn-ea"/>
+        <a:cs typeface="+mn-cs"/>
+      </a:defRPr>
+    </a:lvl1pPr>
+    <a:lvl2pPr marL="457200" algn="l" defTabSz="914400" rtl="0" eaLnBrk="1" latinLnBrk="0" hangingPunct="1">
+      <a:defRPr sz="1200" kern="1200">
+        <a:solidFill>
+          <a:schemeClr val="tx1"/>
+        </a:solidFill>
+        <a:latin typeface="+mn-lt"/>
+        <a:ea typeface="+mn-ea"/>
+        <a:cs typeface="+mn-cs"/>
+      </a:defRPr>
+    </a:lvl2pPr>
+    <a:lvl3pPr marL="914400" algn="l" defTabSz="914400" rtl="0" eaLnBrk="1" latinLnBrk="0" hangingPunct="1">
+      <a:defRPr sz="1200" kern="1200">
+        <a:solidFill>
+          <a:schemeClr val="tx1"/>
+        </a:solidFill>
+        <a:latin typeface="+mn-lt"/>
+        <a:ea typeface="+mn-ea"/>
+        <a:cs typeface="+mn-cs"/>
+      </a:defRPr>
+    </a:lvl3pPr>
+    <a:lvl4pPr marL="1371600" algn="l" defTabSz="914400" rtl="0" eaLnBrk="1" latinLnBrk="0" hangingPunct="1">
+      <a:defRPr sz="1200" kern="1200">
+        <a:solidFill>
+          <a:schemeClr val="tx1"/>
+        </a:solidFill>
+        <a:latin typeface="+mn-lt"/>
+        <a:ea typeface="+mn-ea"/>
+        <a:cs typeface="+mn-cs"/>
+      </a:defRPr>
+    </a:lvl4pPr>
+    <a:lvl5pPr marL="1828800" algn="l" defTabSz="914400" rtl="0" eaLnBrk="1" latinLnBrk="0" hangingPunct="1">
+      <a:defRPr sz="1200" kern="1200">
+        <a:solidFill>
+          <a:schemeClr val="tx1"/>
+        </a:solidFill>
+        <a:latin typeface="+mn-lt"/>
+        <a:ea typeface="+mn-ea"/>
+        <a:cs typeface="+mn-cs"/>
+      </a:defRPr>
+    </a:lvl5pPr>
+    <a:lvl6pPr marL="2286000" algn="l" defTabSz="914400" rtl="0" eaLnBrk="1" latinLnBrk="0" hangingPunct="1">
+      <a:defRPr sz="1200" kern="1200">
+        <a:solidFill>
+          <a:schemeClr val="tx1"/>
+        </a:solidFill>
+        <a:latin typeface="+mn-lt"/>
+        <a:ea typeface="+mn-ea"/>
+        <a:cs typeface="+mn-cs"/>
+      </a:defRPr>
+    </a:lvl6pPr>
+    <a:lvl7pPr marL="2743200" algn="l" defTabSz="914400" rtl="0" eaLnBrk="1" latinLnBrk="0" hangingPunct="1">
+      <a:defRPr sz="1200" kern="1200">
+        <a:solidFill>
+          <a:schemeClr val="tx1"/>
+        </a:solidFill>
+        <a:latin typeface="+mn-lt"/>
+        <a:ea typeface="+mn-ea"/>
+        <a:cs typeface="+mn-cs"/>
+      </a:defRPr>
+    </a:lvl7pPr>
+    <a:lvl8pPr marL="3200400" algn="l" defTabSz="914400" rtl="0" eaLnBrk="1" latinLnBrk="0" hangingPunct="1">
+      <a:defRPr sz="1200" kern="1200">
+        <a:solidFill>
+          <a:schemeClr val="tx1"/>
+        </a:solidFill>
+        <a:latin typeface="+mn-lt"/>
+        <a:ea typeface="+mn-ea"/>
+        <a:cs typeface="+mn-cs"/>
+      </a:defRPr>
+    </a:lvl8pPr>
+    <a:lvl9pPr marL="3657600" algn="l" defTabSz="914400" rtl="0" eaLnBrk="1" latinLnBrk="0" hangingPunct="1">
+      <a:defRPr sz="1200" kern="1200">
+        <a:solidFill>
+          <a:schemeClr val="tx1"/>
+        </a:solidFill>
+        <a:latin typeface="+mn-lt"/>
+        <a:ea typeface="+mn-ea"/>
+        <a:cs typeface="+mn-cs"/>
+      </a:defRPr>
+    </a:lvl9pPr>
+  </p:notesStyle>
+</p:notesMaster>
+</file>
+
+<file path=ppt/notesSlides/notesSlide1.xml><?xml version="1.0" encoding="utf-8"?>
+<p:notes xmlns:a="http://schemas.openxmlformats.org/drawingml/2006/main" xmlns:r="http://schemas.openxmlformats.org/officeDocument/2006/relationships" xmlns:p="http://schemas.openxmlformats.org/presentationml/2006/main">
+  <p:cSld>
+    <p:spTree>
+      <p:nvGrpSpPr>
+        <p:cNvPr id="1" name=""/>
+        <p:cNvGrpSpPr/>
+        <p:nvPr/>
+      </p:nvGrpSpPr>
+      <p:grpSpPr>
+        <a:xfrm>
+          <a:off x="0" y="0"/>
+          <a:ext cx="0" cy="0"/>
+          <a:chOff x="0" y="0"/>
+          <a:chExt cx="0" cy="0"/>
+        </a:xfrm>
+      </p:grpSpPr>
+      <p:sp>
+        <p:nvSpPr>
+          <p:cNvPr id="2" name="Tijdelijke aanduiding voor dia-afbeelding 1"/>
+          <p:cNvSpPr>
+            <a:spLocks noGrp="1" noRot="1" noChangeAspect="1"/>
+          </p:cNvSpPr>
+          <p:nvPr>
+            <p:ph type="sldImg"/>
+          </p:nvPr>
+        </p:nvSpPr>
+        <p:spPr/>
+      </p:sp>
+      <p:sp>
+        <p:nvSpPr>
+          <p:cNvPr id="3" name="Tijdelijke aanduiding voor notities 2"/>
+          <p:cNvSpPr>
+            <a:spLocks noGrp="1"/>
+          </p:cNvSpPr>
+          <p:nvPr>
+            <p:ph type="body" idx="1"/>
+          </p:nvPr>
+        </p:nvSpPr>
+        <p:spPr/>
+        <p:txBody>
+          <a:bodyPr/>
+          <a:lstStyle/>
+          <a:p>
+            <a:r>
+              <a:rPr lang="nl-NL" dirty="0" smtClean="0"/>
+              <a:t>Plaatje </a:t>
+            </a:r>
+            <a:r>
+              <a:rPr lang="nl-NL" dirty="0" err="1" smtClean="0"/>
+              <a:t>uml</a:t>
+            </a:r>
+            <a:r>
+              <a:rPr lang="nl-NL" dirty="0" smtClean="0"/>
+              <a:t> veranderen?</a:t>
+            </a:r>
+            <a:endParaRPr lang="nl-NL" dirty="0"/>
+          </a:p>
+        </p:txBody>
+      </p:sp>
+      <p:sp>
+        <p:nvSpPr>
+          <p:cNvPr id="4" name="Tijdelijke aanduiding voor dianummer 3"/>
+          <p:cNvSpPr>
+            <a:spLocks noGrp="1"/>
+          </p:cNvSpPr>
+          <p:nvPr>
+            <p:ph type="sldNum" sz="quarter" idx="10"/>
+          </p:nvPr>
+        </p:nvSpPr>
+        <p:spPr/>
+        <p:txBody>
+          <a:bodyPr/>
+          <a:lstStyle/>
+          <a:p>
+            <a:fld id="{AAC735D7-A72F-4ADE-A7EF-DE7286408317}" type="slidenum">
+              <a:rPr lang="nl-NL" smtClean="0"/>
+              <a:t>3</a:t>
+            </a:fld>
+            <a:endParaRPr lang="nl-NL"/>
+          </a:p>
+        </p:txBody>
+      </p:sp>
+    </p:spTree>
+    <p:extLst>
+      <p:ext uri="{BB962C8B-B14F-4D97-AF65-F5344CB8AC3E}">
+        <p14:creationId xmlns:p14="http://schemas.microsoft.com/office/powerpoint/2010/main" val="3735048614"/>
+      </p:ext>
+    </p:extLst>
+  </p:cSld>
+  <p:clrMapOvr>
+    <a:masterClrMapping/>
+  </p:clrMapOvr>
+</p:notes>
+</file>
+
+<file path=ppt/notesSlides/notesSlide2.xml><?xml version="1.0" encoding="utf-8"?>
+<p:notes xmlns:a="http://schemas.openxmlformats.org/drawingml/2006/main" xmlns:r="http://schemas.openxmlformats.org/officeDocument/2006/relationships" xmlns:p="http://schemas.openxmlformats.org/presentationml/2006/main">
+  <p:cSld>
+    <p:spTree>
+      <p:nvGrpSpPr>
+        <p:cNvPr id="1" name=""/>
+        <p:cNvGrpSpPr/>
+        <p:nvPr/>
+      </p:nvGrpSpPr>
+      <p:grpSpPr>
+        <a:xfrm>
+          <a:off x="0" y="0"/>
+          <a:ext cx="0" cy="0"/>
+          <a:chOff x="0" y="0"/>
+          <a:chExt cx="0" cy="0"/>
+        </a:xfrm>
+      </p:grpSpPr>
+      <p:sp>
+        <p:nvSpPr>
+          <p:cNvPr id="2" name="Tijdelijke aanduiding voor dia-afbeelding 1"/>
+          <p:cNvSpPr>
+            <a:spLocks noGrp="1" noRot="1" noChangeAspect="1"/>
+          </p:cNvSpPr>
+          <p:nvPr>
+            <p:ph type="sldImg"/>
+          </p:nvPr>
+        </p:nvSpPr>
+        <p:spPr/>
+      </p:sp>
+      <p:sp>
+        <p:nvSpPr>
+          <p:cNvPr id="3" name="Tijdelijke aanduiding voor notities 2"/>
+          <p:cNvSpPr>
+            <a:spLocks noGrp="1"/>
+          </p:cNvSpPr>
+          <p:nvPr>
+            <p:ph type="body" idx="1"/>
+          </p:nvPr>
+        </p:nvSpPr>
+        <p:spPr/>
+        <p:txBody>
+          <a:bodyPr/>
+          <a:lstStyle/>
+          <a:p>
+            <a:r>
+              <a:rPr lang="nl-NL" dirty="0" smtClean="0"/>
+              <a:t>Nieuwe </a:t>
+            </a:r>
+            <a:r>
+              <a:rPr lang="nl-NL" dirty="0" err="1" smtClean="0"/>
+              <a:t>UMl</a:t>
+            </a:r>
+            <a:endParaRPr lang="nl-NL" dirty="0"/>
+          </a:p>
+        </p:txBody>
+      </p:sp>
+      <p:sp>
+        <p:nvSpPr>
+          <p:cNvPr id="4" name="Tijdelijke aanduiding voor dianummer 3"/>
+          <p:cNvSpPr>
+            <a:spLocks noGrp="1"/>
+          </p:cNvSpPr>
+          <p:nvPr>
+            <p:ph type="sldNum" sz="quarter" idx="10"/>
+          </p:nvPr>
+        </p:nvSpPr>
+        <p:spPr/>
+        <p:txBody>
+          <a:bodyPr/>
+          <a:lstStyle/>
+          <a:p>
+            <a:fld id="{AAC735D7-A72F-4ADE-A7EF-DE7286408317}" type="slidenum">
+              <a:rPr lang="nl-NL" smtClean="0"/>
+              <a:t>4</a:t>
+            </a:fld>
+            <a:endParaRPr lang="nl-NL"/>
+          </a:p>
+        </p:txBody>
+      </p:sp>
+    </p:spTree>
+    <p:extLst>
+      <p:ext uri="{BB962C8B-B14F-4D97-AF65-F5344CB8AC3E}">
+        <p14:creationId xmlns:p14="http://schemas.microsoft.com/office/powerpoint/2010/main" val="2404345566"/>
+      </p:ext>
+    </p:extLst>
+  </p:cSld>
+  <p:clrMapOvr>
+    <a:masterClrMapping/>
+  </p:clrMapOvr>
+</p:notes>
+</file>
+
+<file path=ppt/notesSlides/notesSlide3.xml><?xml version="1.0" encoding="utf-8"?>
+<p:notes xmlns:a="http://schemas.openxmlformats.org/drawingml/2006/main" xmlns:r="http://schemas.openxmlformats.org/officeDocument/2006/relationships" xmlns:p="http://schemas.openxmlformats.org/presentationml/2006/main">
+  <p:cSld>
+    <p:spTree>
+      <p:nvGrpSpPr>
+        <p:cNvPr id="1" name=""/>
+        <p:cNvGrpSpPr/>
+        <p:nvPr/>
+      </p:nvGrpSpPr>
+      <p:grpSpPr>
+        <a:xfrm>
+          <a:off x="0" y="0"/>
+          <a:ext cx="0" cy="0"/>
+          <a:chOff x="0" y="0"/>
+          <a:chExt cx="0" cy="0"/>
+        </a:xfrm>
+      </p:grpSpPr>
+      <p:sp>
+        <p:nvSpPr>
+          <p:cNvPr id="2" name="Tijdelijke aanduiding voor dia-afbeelding 1"/>
+          <p:cNvSpPr>
+            <a:spLocks noGrp="1" noRot="1" noChangeAspect="1"/>
+          </p:cNvSpPr>
+          <p:nvPr>
+            <p:ph type="sldImg"/>
+          </p:nvPr>
+        </p:nvSpPr>
+        <p:spPr/>
+      </p:sp>
+      <p:sp>
+        <p:nvSpPr>
+          <p:cNvPr id="3" name="Tijdelijke aanduiding voor notities 2"/>
+          <p:cNvSpPr>
+            <a:spLocks noGrp="1"/>
+          </p:cNvSpPr>
+          <p:nvPr>
+            <p:ph type="body" idx="1"/>
+          </p:nvPr>
+        </p:nvSpPr>
+        <p:spPr/>
+        <p:txBody>
+          <a:bodyPr/>
+          <a:lstStyle/>
+          <a:p>
+            <a:r>
+              <a:rPr lang="nl-NL" dirty="0" smtClean="0"/>
+              <a:t>Wat willen we</a:t>
+            </a:r>
+            <a:r>
+              <a:rPr lang="nl-NL" baseline="0" dirty="0" smtClean="0"/>
+              <a:t> laten zien? Hoe?</a:t>
+            </a:r>
+            <a:endParaRPr lang="nl-NL" dirty="0"/>
+          </a:p>
+        </p:txBody>
+      </p:sp>
+      <p:sp>
+        <p:nvSpPr>
+          <p:cNvPr id="4" name="Tijdelijke aanduiding voor dianummer 3"/>
+          <p:cNvSpPr>
+            <a:spLocks noGrp="1"/>
+          </p:cNvSpPr>
+          <p:nvPr>
+            <p:ph type="sldNum" sz="quarter" idx="10"/>
+          </p:nvPr>
+        </p:nvSpPr>
+        <p:spPr/>
+        <p:txBody>
+          <a:bodyPr/>
+          <a:lstStyle/>
+          <a:p>
+            <a:fld id="{AAC735D7-A72F-4ADE-A7EF-DE7286408317}" type="slidenum">
+              <a:rPr lang="nl-NL" smtClean="0"/>
+              <a:t>5</a:t>
+            </a:fld>
+            <a:endParaRPr lang="nl-NL"/>
+          </a:p>
+        </p:txBody>
+      </p:sp>
+    </p:spTree>
+    <p:extLst>
+      <p:ext uri="{BB962C8B-B14F-4D97-AF65-F5344CB8AC3E}">
+        <p14:creationId xmlns:p14="http://schemas.microsoft.com/office/powerpoint/2010/main" val="1117588626"/>
+      </p:ext>
+    </p:extLst>
+  </p:cSld>
+  <p:clrMapOvr>
+    <a:masterClrMapping/>
+  </p:clrMapOvr>
+</p:notes>
+</file>
+
 <file path=ppt/slideLayouts/slideLayout1.xml><?xml version="1.0" encoding="utf-8"?>
 <p:sldLayout xmlns:a="http://schemas.openxmlformats.org/drawingml/2006/main" xmlns:r="http://schemas.openxmlformats.org/officeDocument/2006/relationships" xmlns:p="http://schemas.openxmlformats.org/presentationml/2006/main" type="title" preserve="1">
   <p:cSld name="Titeldia">
@@ -297,7 +932,7 @@
           <a:p>
             <a:fld id="{DC755939-9C8F-4764-AEFE-40E40F87E722}" type="datetimeFigureOut">
               <a:rPr lang="nl-NL" smtClean="0"/>
-              <a:t>16-11-2015</a:t>
+              <a:t>18-11-2015</a:t>
             </a:fld>
             <a:endParaRPr lang="nl-NL"/>
           </a:p>
@@ -462,7 +1097,7 @@
           <a:p>
             <a:fld id="{DC755939-9C8F-4764-AEFE-40E40F87E722}" type="datetimeFigureOut">
               <a:rPr lang="nl-NL" smtClean="0"/>
-              <a:t>16-11-2015</a:t>
+              <a:t>18-11-2015</a:t>
             </a:fld>
             <a:endParaRPr lang="nl-NL"/>
           </a:p>
@@ -637,7 +1272,7 @@
           <a:p>
             <a:fld id="{DC755939-9C8F-4764-AEFE-40E40F87E722}" type="datetimeFigureOut">
               <a:rPr lang="nl-NL" smtClean="0"/>
-              <a:t>16-11-2015</a:t>
+              <a:t>18-11-2015</a:t>
             </a:fld>
             <a:endParaRPr lang="nl-NL"/>
           </a:p>
@@ -802,7 +1437,7 @@
           <a:p>
             <a:fld id="{DC755939-9C8F-4764-AEFE-40E40F87E722}" type="datetimeFigureOut">
               <a:rPr lang="nl-NL" smtClean="0"/>
-              <a:t>16-11-2015</a:t>
+              <a:t>18-11-2015</a:t>
             </a:fld>
             <a:endParaRPr lang="nl-NL"/>
           </a:p>
@@ -1043,7 +1678,7 @@
           <a:p>
             <a:fld id="{DC755939-9C8F-4764-AEFE-40E40F87E722}" type="datetimeFigureOut">
               <a:rPr lang="nl-NL" smtClean="0"/>
-              <a:t>16-11-2015</a:t>
+              <a:t>18-11-2015</a:t>
             </a:fld>
             <a:endParaRPr lang="nl-NL"/>
           </a:p>
@@ -1326,7 +1961,7 @@
           <a:p>
             <a:fld id="{DC755939-9C8F-4764-AEFE-40E40F87E722}" type="datetimeFigureOut">
               <a:rPr lang="nl-NL" smtClean="0"/>
-              <a:t>16-11-2015</a:t>
+              <a:t>18-11-2015</a:t>
             </a:fld>
             <a:endParaRPr lang="nl-NL"/>
           </a:p>
@@ -1743,7 +2378,7 @@
           <a:p>
             <a:fld id="{DC755939-9C8F-4764-AEFE-40E40F87E722}" type="datetimeFigureOut">
               <a:rPr lang="nl-NL" smtClean="0"/>
-              <a:t>16-11-2015</a:t>
+              <a:t>18-11-2015</a:t>
             </a:fld>
             <a:endParaRPr lang="nl-NL"/>
           </a:p>
@@ -1856,7 +2491,7 @@
           <a:p>
             <a:fld id="{DC755939-9C8F-4764-AEFE-40E40F87E722}" type="datetimeFigureOut">
               <a:rPr lang="nl-NL" smtClean="0"/>
-              <a:t>16-11-2015</a:t>
+              <a:t>18-11-2015</a:t>
             </a:fld>
             <a:endParaRPr lang="nl-NL"/>
           </a:p>
@@ -1946,7 +2581,7 @@
           <a:p>
             <a:fld id="{DC755939-9C8F-4764-AEFE-40E40F87E722}" type="datetimeFigureOut">
               <a:rPr lang="nl-NL" smtClean="0"/>
-              <a:t>16-11-2015</a:t>
+              <a:t>18-11-2015</a:t>
             </a:fld>
             <a:endParaRPr lang="nl-NL"/>
           </a:p>
@@ -2218,7 +2853,7 @@
           <a:p>
             <a:fld id="{DC755939-9C8F-4764-AEFE-40E40F87E722}" type="datetimeFigureOut">
               <a:rPr lang="nl-NL" smtClean="0"/>
-              <a:t>16-11-2015</a:t>
+              <a:t>18-11-2015</a:t>
             </a:fld>
             <a:endParaRPr lang="nl-NL"/>
           </a:p>
@@ -2466,7 +3101,7 @@
           <a:p>
             <a:fld id="{DC755939-9C8F-4764-AEFE-40E40F87E722}" type="datetimeFigureOut">
               <a:rPr lang="nl-NL" smtClean="0"/>
-              <a:t>16-11-2015</a:t>
+              <a:t>18-11-2015</a:t>
             </a:fld>
             <a:endParaRPr lang="nl-NL"/>
           </a:p>
@@ -2674,7 +3309,7 @@
           <a:p>
             <a:fld id="{DC755939-9C8F-4764-AEFE-40E40F87E722}" type="datetimeFigureOut">
               <a:rPr lang="nl-NL" smtClean="0"/>
-              <a:t>16-11-2015</a:t>
+              <a:t>18-11-2015</a:t>
             </a:fld>
             <a:endParaRPr lang="nl-NL"/>
           </a:p>
@@ -3063,6 +3698,10 @@
               <a:rPr lang="en-US" dirty="0" err="1" smtClean="0"/>
               <a:t>Zeeslag</a:t>
             </a:r>
+            <a:r>
+              <a:rPr lang="en-US" dirty="0" smtClean="0"/>
+              <a:t> Online</a:t>
+            </a:r>
             <a:endParaRPr lang="nl-NL" dirty="0"/>
           </a:p>
         </p:txBody>
@@ -3147,6 +3786,201 @@
           <a:lstStyle/>
           <a:p>
             <a:r>
+              <a:rPr lang="nl-NL" dirty="0" smtClean="0"/>
+              <a:t>REST &amp; AJAX</a:t>
+            </a:r>
+            <a:endParaRPr lang="nl-NL" dirty="0"/>
+          </a:p>
+        </p:txBody>
+      </p:sp>
+      <p:sp>
+        <p:nvSpPr>
+          <p:cNvPr id="3" name="Tijdelijke aanduiding voor inhoud 2"/>
+          <p:cNvSpPr>
+            <a:spLocks noGrp="1"/>
+          </p:cNvSpPr>
+          <p:nvPr>
+            <p:ph idx="1"/>
+          </p:nvPr>
+        </p:nvSpPr>
+        <p:spPr/>
+        <p:txBody>
+          <a:bodyPr/>
+          <a:lstStyle/>
+          <a:p>
+            <a:r>
+              <a:rPr lang="nl-NL" dirty="0" smtClean="0"/>
+              <a:t>Updates van site zonder </a:t>
+            </a:r>
+            <a:r>
+              <a:rPr lang="nl-NL" dirty="0" err="1" smtClean="0"/>
+              <a:t>request</a:t>
+            </a:r>
+            <a:endParaRPr lang="nl-NL" dirty="0" smtClean="0"/>
+          </a:p>
+          <a:p>
+            <a:pPr lvl="1"/>
+            <a:r>
+              <a:rPr lang="nl-NL" dirty="0" smtClean="0"/>
+              <a:t>Door </a:t>
+            </a:r>
+            <a:r>
+              <a:rPr lang="nl-NL" dirty="0" err="1" smtClean="0"/>
+              <a:t>jsp</a:t>
+            </a:r>
+            <a:r>
+              <a:rPr lang="nl-NL" dirty="0" smtClean="0"/>
+              <a:t> zelf</a:t>
+            </a:r>
+            <a:endParaRPr lang="nl-NL" dirty="0"/>
+          </a:p>
+          <a:p>
+            <a:pPr lvl="1"/>
+            <a:r>
+              <a:rPr lang="nl-NL" dirty="0" smtClean="0"/>
+              <a:t>Geen meta </a:t>
+            </a:r>
+            <a:r>
+              <a:rPr lang="nl-NL" dirty="0" err="1" smtClean="0"/>
+              <a:t>refresh</a:t>
+            </a:r>
+            <a:endParaRPr lang="nl-NL" dirty="0"/>
+          </a:p>
+          <a:p>
+            <a:r>
+              <a:rPr lang="nl-NL" dirty="0" smtClean="0"/>
+              <a:t>Bord updaten na beurt</a:t>
+            </a:r>
+          </a:p>
+          <a:p>
+            <a:endParaRPr lang="nl-NL" dirty="0" smtClean="0"/>
+          </a:p>
+          <a:p>
+            <a:pPr lvl="1"/>
+            <a:endParaRPr lang="nl-NL" dirty="0" smtClean="0"/>
+          </a:p>
+        </p:txBody>
+      </p:sp>
+    </p:spTree>
+    <p:extLst>
+      <p:ext uri="{BB962C8B-B14F-4D97-AF65-F5344CB8AC3E}">
+        <p14:creationId xmlns:p14="http://schemas.microsoft.com/office/powerpoint/2010/main" val="3869784468"/>
+      </p:ext>
+    </p:extLst>
+  </p:cSld>
+  <p:clrMapOvr>
+    <a:masterClrMapping/>
+  </p:clrMapOvr>
+</p:sld>
+</file>
+
+<file path=ppt/slides/slide11.xml><?xml version="1.0" encoding="utf-8"?>
+<p:sld xmlns:a="http://schemas.openxmlformats.org/drawingml/2006/main" xmlns:r="http://schemas.openxmlformats.org/officeDocument/2006/relationships" xmlns:p="http://schemas.openxmlformats.org/presentationml/2006/main">
+  <p:cSld>
+    <p:spTree>
+      <p:nvGrpSpPr>
+        <p:cNvPr id="1" name=""/>
+        <p:cNvGrpSpPr/>
+        <p:nvPr/>
+      </p:nvGrpSpPr>
+      <p:grpSpPr>
+        <a:xfrm>
+          <a:off x="0" y="0"/>
+          <a:ext cx="0" cy="0"/>
+          <a:chOff x="0" y="0"/>
+          <a:chExt cx="0" cy="0"/>
+        </a:xfrm>
+      </p:grpSpPr>
+      <p:sp>
+        <p:nvSpPr>
+          <p:cNvPr id="2" name="Titel 1"/>
+          <p:cNvSpPr>
+            <a:spLocks noGrp="1"/>
+          </p:cNvSpPr>
+          <p:nvPr>
+            <p:ph type="title"/>
+          </p:nvPr>
+        </p:nvSpPr>
+        <p:spPr/>
+        <p:txBody>
+          <a:bodyPr>
+            <a:normAutofit/>
+          </a:bodyPr>
+          <a:lstStyle/>
+          <a:p>
+            <a:r>
+              <a:rPr lang="nl-NL" sz="5400" dirty="0" smtClean="0"/>
+              <a:t>Demo</a:t>
+            </a:r>
+            <a:endParaRPr lang="nl-NL" sz="5400" dirty="0"/>
+          </a:p>
+        </p:txBody>
+      </p:sp>
+      <p:sp>
+        <p:nvSpPr>
+          <p:cNvPr id="3" name="Tijdelijke aanduiding voor inhoud 2"/>
+          <p:cNvSpPr>
+            <a:spLocks noGrp="1"/>
+          </p:cNvSpPr>
+          <p:nvPr>
+            <p:ph idx="1"/>
+          </p:nvPr>
+        </p:nvSpPr>
+        <p:spPr/>
+        <p:txBody>
+          <a:bodyPr/>
+          <a:lstStyle/>
+          <a:p>
+            <a:endParaRPr lang="nl-NL"/>
+          </a:p>
+        </p:txBody>
+      </p:sp>
+    </p:spTree>
+    <p:extLst>
+      <p:ext uri="{BB962C8B-B14F-4D97-AF65-F5344CB8AC3E}">
+        <p14:creationId xmlns:p14="http://schemas.microsoft.com/office/powerpoint/2010/main" val="2277871465"/>
+      </p:ext>
+    </p:extLst>
+  </p:cSld>
+  <p:clrMapOvr>
+    <a:masterClrMapping/>
+  </p:clrMapOvr>
+</p:sld>
+</file>
+
+<file path=ppt/slides/slide12.xml><?xml version="1.0" encoding="utf-8"?>
+<p:sld xmlns:a="http://schemas.openxmlformats.org/drawingml/2006/main" xmlns:r="http://schemas.openxmlformats.org/officeDocument/2006/relationships" xmlns:p="http://schemas.openxmlformats.org/presentationml/2006/main">
+  <p:cSld>
+    <p:spTree>
+      <p:nvGrpSpPr>
+        <p:cNvPr id="1" name=""/>
+        <p:cNvGrpSpPr/>
+        <p:nvPr/>
+      </p:nvGrpSpPr>
+      <p:grpSpPr>
+        <a:xfrm>
+          <a:off x="0" y="0"/>
+          <a:ext cx="0" cy="0"/>
+          <a:chOff x="0" y="0"/>
+          <a:chExt cx="0" cy="0"/>
+        </a:xfrm>
+      </p:grpSpPr>
+      <p:sp>
+        <p:nvSpPr>
+          <p:cNvPr id="2" name="Titel 1"/>
+          <p:cNvSpPr>
+            <a:spLocks noGrp="1"/>
+          </p:cNvSpPr>
+          <p:nvPr>
+            <p:ph type="title"/>
+          </p:nvPr>
+        </p:nvSpPr>
+        <p:spPr/>
+        <p:txBody>
+          <a:bodyPr/>
+          <a:lstStyle/>
+          <a:p>
+            <a:r>
               <a:rPr lang="en-US" smtClean="0"/>
               <a:t>Afsluiting</a:t>
             </a:r>
@@ -3219,7 +4053,11 @@
             </a:r>
             <a:r>
               <a:rPr lang="en-US" dirty="0" smtClean="0"/>
-              <a:t> intro</a:t>
+              <a:t> </a:t>
+            </a:r>
+            <a:r>
+              <a:rPr lang="en-US" dirty="0" err="1" smtClean="0"/>
+              <a:t>Introductie</a:t>
             </a:r>
             <a:endParaRPr lang="nl-NL" dirty="0"/>
           </a:p>
@@ -3240,10 +4078,63 @@
           <a:bodyPr/>
           <a:lstStyle/>
           <a:p>
-            <a:endParaRPr lang="nl-NL"/>
-          </a:p>
-        </p:txBody>
-      </p:sp>
+            <a:r>
+              <a:rPr lang="nl-NL" dirty="0" smtClean="0"/>
+              <a:t>2 speler</a:t>
+            </a:r>
+          </a:p>
+          <a:p>
+            <a:r>
+              <a:rPr lang="nl-NL" dirty="0" smtClean="0"/>
+              <a:t>Schiet op elkaars boten</a:t>
+            </a:r>
+          </a:p>
+          <a:p>
+            <a:endParaRPr lang="nl-NL" dirty="0"/>
+          </a:p>
+        </p:txBody>
+      </p:sp>
+      <p:pic>
+        <p:nvPicPr>
+          <p:cNvPr id="1026" name="Picture 2" descr="https://i.ytimg.com/vi/Lzh8msRIHM0/maxresdefault.jpg"/>
+          <p:cNvPicPr>
+            <a:picLocks noChangeAspect="1" noChangeArrowheads="1"/>
+          </p:cNvPicPr>
+          <p:nvPr/>
+        </p:nvPicPr>
+        <p:blipFill>
+          <a:blip r:embed="rId2" cstate="print">
+            <a:extLst>
+              <a:ext uri="{28A0092B-C50C-407E-A947-70E740481C1C}">
+                <a14:useLocalDpi xmlns:a14="http://schemas.microsoft.com/office/drawing/2010/main" val="0"/>
+              </a:ext>
+            </a:extLst>
+          </a:blip>
+          <a:srcRect/>
+          <a:stretch>
+            <a:fillRect/>
+          </a:stretch>
+        </p:blipFill>
+        <p:spPr bwMode="auto">
+          <a:xfrm>
+            <a:off x="3779912" y="3789040"/>
+            <a:ext cx="5120570" cy="2880320"/>
+          </a:xfrm>
+          <a:prstGeom prst="rect">
+            <a:avLst/>
+          </a:prstGeom>
+          <a:noFill/>
+          <a:extLst>
+            <a:ext uri="{909E8E84-426E-40DD-AFC4-6F175D3DCCD1}">
+              <a14:hiddenFill xmlns:a14="http://schemas.microsoft.com/office/drawing/2010/main">
+                <a:solidFill>
+                  <a:srgbClr val="FFFFFF"/>
+                </a:solidFill>
+              </a14:hiddenFill>
+            </a:ext>
+          </a:extLst>
+        </p:spPr>
+      </p:pic>
     </p:spTree>
   </p:cSld>
   <p:clrMapOvr>
@@ -3285,12 +4176,8 @@
           <a:lstStyle/>
           <a:p>
             <a:r>
-              <a:rPr lang="en-US" dirty="0" smtClean="0"/>
-              <a:t>Console </a:t>
-            </a:r>
-            <a:r>
-              <a:rPr lang="en-US" dirty="0" err="1" smtClean="0"/>
-              <a:t>versie</a:t>
+              <a:rPr lang="nl-NL" dirty="0" smtClean="0"/>
+              <a:t>Planning</a:t>
             </a:r>
             <a:endParaRPr lang="nl-NL" dirty="0"/>
           </a:p>
@@ -3311,11 +4198,71 @@
           <a:bodyPr/>
           <a:lstStyle/>
           <a:p>
-            <a:endParaRPr lang="nl-NL"/>
-          </a:p>
-        </p:txBody>
-      </p:sp>
+            <a:r>
+              <a:rPr lang="nl-NL" dirty="0" smtClean="0"/>
+              <a:t>Console versie</a:t>
+            </a:r>
+          </a:p>
+          <a:p>
+            <a:r>
+              <a:rPr lang="nl-NL" dirty="0" smtClean="0"/>
+              <a:t>Web Versie</a:t>
+            </a:r>
+          </a:p>
+          <a:p>
+            <a:endParaRPr lang="nl-NL" dirty="0"/>
+          </a:p>
+          <a:p>
+            <a:r>
+              <a:rPr lang="nl-NL" i="1" dirty="0" smtClean="0"/>
+              <a:t>Swing</a:t>
+            </a:r>
+          </a:p>
+          <a:p>
+            <a:r>
+              <a:rPr lang="nl-NL" i="1" dirty="0" err="1" smtClean="0"/>
+              <a:t>Android</a:t>
+            </a:r>
+            <a:endParaRPr lang="nl-NL" i="1" dirty="0"/>
+          </a:p>
+        </p:txBody>
+      </p:sp>
+      <p:pic>
+        <p:nvPicPr>
+          <p:cNvPr id="4" name="Tijdelijke aanduiding voor inhoud 3"/>
+          <p:cNvPicPr>
+            <a:picLocks noChangeAspect="1"/>
+          </p:cNvPicPr>
+          <p:nvPr/>
+        </p:nvPicPr>
+        <p:blipFill>
+          <a:blip r:embed="rId3">
+            <a:extLst>
+              <a:ext uri="{28A0092B-C50C-407E-A947-70E740481C1C}">
+                <a14:useLocalDpi xmlns:a14="http://schemas.microsoft.com/office/drawing/2010/main" val="0"/>
+              </a:ext>
+            </a:extLst>
+          </a:blip>
+          <a:stretch>
+            <a:fillRect/>
+          </a:stretch>
+        </p:blipFill>
+        <p:spPr>
+          <a:xfrm>
+            <a:off x="3995936" y="1484784"/>
+            <a:ext cx="4925144" cy="4925144"/>
+          </a:xfrm>
+          <a:prstGeom prst="rect">
+            <a:avLst/>
+          </a:prstGeom>
+        </p:spPr>
+      </p:pic>
     </p:spTree>
+    <p:extLst>
+      <p:ext uri="{BB962C8B-B14F-4D97-AF65-F5344CB8AC3E}">
+        <p14:creationId xmlns:p14="http://schemas.microsoft.com/office/powerpoint/2010/main" val="99916924"/>
+      </p:ext>
+    </p:extLst>
   </p:cSld>
   <p:clrMapOvr>
     <a:masterClrMapping/>
@@ -3357,36 +4304,104 @@
           <a:p>
             <a:r>
               <a:rPr lang="en-US" dirty="0" smtClean="0"/>
+              <a:t>Console</a:t>
+            </a:r>
+            <a:endParaRPr lang="nl-NL" dirty="0"/>
+          </a:p>
+        </p:txBody>
+      </p:sp>
+      <p:sp>
+        <p:nvSpPr>
+          <p:cNvPr id="3" name="Tijdelijke aanduiding voor inhoud 2"/>
+          <p:cNvSpPr>
+            <a:spLocks noGrp="1"/>
+          </p:cNvSpPr>
+          <p:nvPr>
+            <p:ph idx="1"/>
+          </p:nvPr>
+        </p:nvSpPr>
+        <p:spPr/>
+        <p:txBody>
+          <a:bodyPr/>
+          <a:lstStyle/>
+          <a:p>
+            <a:r>
+              <a:rPr lang="en-US" dirty="0"/>
+              <a:t>P</a:t>
+            </a:r>
+            <a:r>
+              <a:rPr lang="en-US" dirty="0" smtClean="0"/>
+              <a:t>layer </a:t>
+            </a:r>
+            <a:r>
+              <a:rPr lang="en-US" dirty="0"/>
+              <a:t>vs </a:t>
+            </a:r>
+            <a:r>
+              <a:rPr lang="en-US" dirty="0" smtClean="0"/>
+              <a:t>Player</a:t>
+            </a:r>
+          </a:p>
+          <a:p>
+            <a:pPr lvl="1"/>
+            <a:r>
+              <a:rPr lang="en-US" dirty="0" smtClean="0"/>
+              <a:t>Turn-based</a:t>
+            </a:r>
+          </a:p>
+          <a:p>
+            <a:pPr lvl="1"/>
+            <a:endParaRPr lang="en-US" dirty="0" smtClean="0"/>
+          </a:p>
+          <a:p>
+            <a:endParaRPr lang="en-US" dirty="0" smtClean="0"/>
+          </a:p>
+          <a:p>
+            <a:r>
+              <a:rPr lang="en-US" dirty="0" smtClean="0"/>
               <a:t>Player </a:t>
             </a:r>
             <a:r>
+              <a:rPr lang="en-US" dirty="0"/>
+              <a:t>vs </a:t>
+            </a:r>
+            <a:r>
+              <a:rPr lang="en-US" dirty="0" smtClean="0"/>
+              <a:t>AI</a:t>
+            </a:r>
+          </a:p>
+          <a:p>
+            <a:pPr lvl="1"/>
+            <a:r>
               <a:rPr lang="en-US" dirty="0" err="1" smtClean="0"/>
-              <a:t>vs</a:t>
+              <a:t>Schiet</a:t>
             </a:r>
             <a:r>
               <a:rPr lang="en-US" dirty="0" smtClean="0"/>
-              <a:t> player</a:t>
-            </a:r>
+              <a:t> Random</a:t>
+            </a:r>
+          </a:p>
+          <a:p>
+            <a:pPr lvl="1"/>
+            <a:r>
+              <a:rPr lang="en-US" dirty="0" err="1" smtClean="0"/>
+              <a:t>Daarna</a:t>
+            </a:r>
+            <a:r>
+              <a:rPr lang="en-US" dirty="0" smtClean="0"/>
+              <a:t> </a:t>
+            </a:r>
+            <a:r>
+              <a:rPr lang="en-US" dirty="0" err="1" smtClean="0"/>
+              <a:t>gericht</a:t>
+            </a:r>
+            <a:endParaRPr lang="en-US" dirty="0" smtClean="0"/>
+          </a:p>
+          <a:p>
+            <a:endParaRPr lang="en-US" dirty="0"/>
+          </a:p>
+          <a:p>
             <a:endParaRPr lang="nl-NL" dirty="0"/>
-          </a:p>
-        </p:txBody>
-      </p:sp>
-      <p:sp>
-        <p:nvSpPr>
-          <p:cNvPr id="3" name="Tijdelijke aanduiding voor inhoud 2"/>
-          <p:cNvSpPr>
-            <a:spLocks noGrp="1"/>
-          </p:cNvSpPr>
-          <p:nvPr>
-            <p:ph idx="1"/>
-          </p:nvPr>
-        </p:nvSpPr>
-        <p:spPr/>
-        <p:txBody>
-          <a:bodyPr/>
-          <a:lstStyle/>
-          <a:p>
-            <a:endParaRPr lang="nl-NL"/>
           </a:p>
         </p:txBody>
       </p:sp>
@@ -3431,20 +4446,8 @@
           <a:lstStyle/>
           <a:p>
             <a:r>
-              <a:rPr lang="en-US" dirty="0" smtClean="0"/>
-              <a:t>Player </a:t>
-            </a:r>
-            <a:r>
-              <a:rPr lang="en-US" dirty="0" err="1" smtClean="0"/>
-              <a:t>vs</a:t>
-            </a:r>
-            <a:r>
-              <a:rPr lang="en-US" dirty="0" smtClean="0"/>
-              <a:t> </a:t>
-            </a:r>
-            <a:r>
-              <a:rPr lang="en-US" dirty="0" err="1" smtClean="0"/>
-              <a:t>ai</a:t>
+              <a:rPr lang="nl-NL" dirty="0" smtClean="0"/>
+              <a:t>Console</a:t>
             </a:r>
             <a:endParaRPr lang="nl-NL" dirty="0"/>
           </a:p>
@@ -3462,14 +4465,25 @@
         </p:nvSpPr>
         <p:spPr/>
         <p:txBody>
-          <a:bodyPr/>
-          <a:lstStyle/>
-          <a:p>
-            <a:endParaRPr lang="nl-NL"/>
+          <a:bodyPr>
+            <a:normAutofit/>
+          </a:bodyPr>
+          <a:lstStyle/>
+          <a:p>
+            <a:r>
+              <a:rPr lang="nl-NL" sz="4800" dirty="0" smtClean="0"/>
+              <a:t>Demo-Time!</a:t>
+            </a:r>
+            <a:endParaRPr lang="nl-NL" sz="4800" dirty="0"/>
           </a:p>
         </p:txBody>
       </p:sp>
     </p:spTree>
+    <p:extLst>
+      <p:ext uri="{BB962C8B-B14F-4D97-AF65-F5344CB8AC3E}">
+        <p14:creationId xmlns:p14="http://schemas.microsoft.com/office/powerpoint/2010/main" val="2945874189"/>
+      </p:ext>
+    </p:extLst>
   </p:cSld>
   <p:clrMapOvr>
     <a:masterClrMapping/>
@@ -3544,15 +4558,44 @@
           <a:p>
             <a:r>
               <a:rPr lang="en-US" dirty="0" smtClean="0"/>
-              <a:t>JavaScript</a:t>
-            </a:r>
-          </a:p>
-          <a:p>
+              <a:t>Database: </a:t>
+            </a:r>
+            <a:r>
+              <a:rPr lang="en-US" dirty="0" err="1" smtClean="0"/>
+              <a:t>mySQL</a:t>
+            </a:r>
+            <a:endParaRPr lang="en-US" dirty="0" smtClean="0"/>
+          </a:p>
+          <a:p>
+            <a:pPr lvl="1"/>
             <a:r>
               <a:rPr lang="en-US" dirty="0" smtClean="0"/>
-              <a:t>Database hibernate</a:t>
+              <a:t>JPA &amp; Hibernate</a:t>
             </a:r>
             <a:endParaRPr lang="nl-NL" dirty="0"/>
+          </a:p>
+          <a:p>
+            <a:endParaRPr lang="en-US" dirty="0" smtClean="0"/>
+          </a:p>
+          <a:p>
+            <a:r>
+              <a:rPr lang="en-US" dirty="0" smtClean="0"/>
+              <a:t>HTML5</a:t>
+            </a:r>
+            <a:endParaRPr lang="en-US" dirty="0"/>
+          </a:p>
+          <a:p>
+            <a:r>
+              <a:rPr lang="en-US" dirty="0" smtClean="0"/>
+              <a:t>JavaScript, JQuery</a:t>
+            </a:r>
+          </a:p>
+          <a:p>
+            <a:r>
+              <a:rPr lang="en-US" dirty="0" smtClean="0"/>
+              <a:t>REST, AJAX</a:t>
+            </a:r>
+            <a:endParaRPr lang="en-US" dirty="0" smtClean="0"/>
           </a:p>
         </p:txBody>
       </p:sp>
@@ -3616,10 +4659,78 @@
         </p:nvSpPr>
         <p:spPr/>
         <p:txBody>
-          <a:bodyPr/>
-          <a:lstStyle/>
-          <a:p>
-            <a:endParaRPr lang="nl-NL"/>
+          <a:bodyPr>
+            <a:normAutofit/>
+          </a:bodyPr>
+          <a:lstStyle/>
+          <a:p>
+            <a:r>
+              <a:rPr lang="nl-NL" dirty="0" err="1" smtClean="0"/>
+              <a:t>Traineeship</a:t>
+            </a:r>
+            <a:endParaRPr lang="nl-NL" dirty="0" smtClean="0"/>
+          </a:p>
+          <a:p>
+            <a:pPr lvl="1"/>
+            <a:r>
+              <a:rPr lang="nl-NL" dirty="0" err="1" smtClean="0"/>
+              <a:t>Servlets</a:t>
+            </a:r>
+            <a:endParaRPr lang="nl-NL" dirty="0" smtClean="0"/>
+          </a:p>
+          <a:p>
+            <a:endParaRPr lang="nl-NL" dirty="0" smtClean="0"/>
+          </a:p>
+          <a:p>
+            <a:r>
+              <a:rPr lang="nl-NL" dirty="0" err="1" smtClean="0"/>
+              <a:t>SpringMVC</a:t>
+            </a:r>
+            <a:r>
+              <a:rPr lang="nl-NL" dirty="0" smtClean="0"/>
+              <a:t> </a:t>
+            </a:r>
+          </a:p>
+          <a:p>
+            <a:pPr lvl="1"/>
+            <a:r>
+              <a:rPr lang="nl-NL" dirty="0" smtClean="0"/>
+              <a:t>Framework </a:t>
+            </a:r>
+          </a:p>
+          <a:p>
+            <a:pPr lvl="1"/>
+            <a:r>
+              <a:rPr lang="nl-NL" dirty="0" smtClean="0"/>
+              <a:t>Eenvoudiger, Overzichtelijker</a:t>
+            </a:r>
+          </a:p>
+          <a:p>
+            <a:pPr lvl="1"/>
+            <a:r>
+              <a:rPr lang="nl-NL" dirty="0" smtClean="0"/>
+              <a:t>Basis van Web Project</a:t>
+            </a:r>
+          </a:p>
+          <a:p>
+            <a:pPr lvl="2"/>
+            <a:r>
+              <a:rPr lang="nl-NL" dirty="0" smtClean="0"/>
+              <a:t>@controller, </a:t>
+            </a:r>
+            <a:r>
+              <a:rPr lang="nl-NL" dirty="0" smtClean="0">
+                <a:sym typeface="Wingdings" panose="05000000000000000000" pitchFamily="2" charset="2"/>
+              </a:rPr>
+              <a:t> .</a:t>
+            </a:r>
+            <a:r>
+              <a:rPr lang="nl-NL" dirty="0" err="1" smtClean="0">
+                <a:sym typeface="Wingdings" panose="05000000000000000000" pitchFamily="2" charset="2"/>
+              </a:rPr>
+              <a:t>jsp</a:t>
+            </a:r>
+            <a:endParaRPr lang="nl-NL" dirty="0"/>
           </a:p>
         </p:txBody>
       </p:sp>
@@ -3686,7 +4797,128 @@
           <a:bodyPr/>
           <a:lstStyle/>
           <a:p>
-            <a:endParaRPr lang="nl-NL"/>
+            <a:r>
+              <a:rPr lang="nl-NL" dirty="0" smtClean="0"/>
+              <a:t>Opslaan van Spelers</a:t>
+            </a:r>
+          </a:p>
+          <a:p>
+            <a:pPr lvl="1"/>
+            <a:r>
+              <a:rPr lang="nl-NL" dirty="0" smtClean="0"/>
+              <a:t>Ingewikkeld door complexe relaties</a:t>
+            </a:r>
+          </a:p>
+          <a:p>
+            <a:pPr lvl="2"/>
+            <a:r>
+              <a:rPr lang="nl-NL" dirty="0" smtClean="0"/>
+              <a:t>Inclusief 2D arrays [][] </a:t>
+            </a:r>
+            <a:r>
+              <a:rPr lang="nl-NL" dirty="0" smtClean="0">
+                <a:sym typeface="Wingdings" panose="05000000000000000000" pitchFamily="2" charset="2"/>
+              </a:rPr>
+              <a:t> </a:t>
+            </a:r>
+            <a:r>
+              <a:rPr lang="nl-NL" dirty="0" err="1" smtClean="0">
+                <a:sym typeface="Wingdings" panose="05000000000000000000" pitchFamily="2" charset="2"/>
+              </a:rPr>
+              <a:t>ArrayList</a:t>
+            </a:r>
+            <a:endParaRPr lang="nl-NL" dirty="0" smtClean="0">
+              <a:sym typeface="Wingdings" panose="05000000000000000000" pitchFamily="2" charset="2"/>
+            </a:endParaRPr>
+          </a:p>
+          <a:p>
+            <a:pPr lvl="2"/>
+            <a:r>
+              <a:rPr lang="nl-NL" dirty="0" smtClean="0">
+                <a:sym typeface="Wingdings" panose="05000000000000000000" pitchFamily="2" charset="2"/>
+              </a:rPr>
+              <a:t>@</a:t>
+            </a:r>
+            <a:r>
+              <a:rPr lang="nl-NL" dirty="0" err="1" smtClean="0">
+                <a:sym typeface="Wingdings" panose="05000000000000000000" pitchFamily="2" charset="2"/>
+              </a:rPr>
+              <a:t>OneToOne</a:t>
+            </a:r>
+            <a:endParaRPr lang="nl-NL" dirty="0">
+              <a:sym typeface="Wingdings" panose="05000000000000000000" pitchFamily="2" charset="2"/>
+            </a:endParaRPr>
+          </a:p>
+          <a:p>
+            <a:pPr lvl="3"/>
+            <a:r>
+              <a:rPr lang="nl-NL" dirty="0" smtClean="0">
+                <a:sym typeface="Wingdings" panose="05000000000000000000" pitchFamily="2" charset="2"/>
+              </a:rPr>
+              <a:t>Speler - Bord</a:t>
+            </a:r>
+          </a:p>
+          <a:p>
+            <a:pPr lvl="2"/>
+            <a:r>
+              <a:rPr lang="nl-NL" dirty="0" smtClean="0">
+                <a:sym typeface="Wingdings" panose="05000000000000000000" pitchFamily="2" charset="2"/>
+              </a:rPr>
+              <a:t>@</a:t>
+            </a:r>
+            <a:r>
+              <a:rPr lang="nl-NL" dirty="0" err="1" smtClean="0">
+                <a:sym typeface="Wingdings" panose="05000000000000000000" pitchFamily="2" charset="2"/>
+              </a:rPr>
+              <a:t>OneToMany</a:t>
+            </a:r>
+            <a:r>
+              <a:rPr lang="nl-NL" dirty="0" smtClean="0">
+                <a:sym typeface="Wingdings" panose="05000000000000000000" pitchFamily="2" charset="2"/>
+              </a:rPr>
+              <a:t> relaties</a:t>
+            </a:r>
+          </a:p>
+          <a:p>
+            <a:pPr lvl="3"/>
+            <a:r>
+              <a:rPr lang="nl-NL" dirty="0" smtClean="0">
+                <a:sym typeface="Wingdings" panose="05000000000000000000" pitchFamily="2" charset="2"/>
+              </a:rPr>
+              <a:t>Bord –Vakjes</a:t>
+            </a:r>
+          </a:p>
+          <a:p>
+            <a:pPr lvl="3"/>
+            <a:r>
+              <a:rPr lang="nl-NL" dirty="0" err="1" smtClean="0">
+                <a:sym typeface="Wingdings" panose="05000000000000000000" pitchFamily="2" charset="2"/>
+              </a:rPr>
+              <a:t>Lazy</a:t>
+            </a:r>
+            <a:r>
+              <a:rPr lang="nl-NL" dirty="0" smtClean="0">
+                <a:sym typeface="Wingdings" panose="05000000000000000000" pitchFamily="2" charset="2"/>
+              </a:rPr>
+              <a:t> </a:t>
+            </a:r>
+            <a:r>
+              <a:rPr lang="nl-NL" dirty="0" err="1" smtClean="0">
+                <a:sym typeface="Wingdings" panose="05000000000000000000" pitchFamily="2" charset="2"/>
+              </a:rPr>
+              <a:t>fetch</a:t>
+            </a:r>
+            <a:endParaRPr lang="nl-NL" dirty="0" smtClean="0">
+              <a:sym typeface="Wingdings" panose="05000000000000000000" pitchFamily="2" charset="2"/>
+            </a:endParaRPr>
+          </a:p>
+          <a:p>
+            <a:pPr lvl="1"/>
+            <a:endParaRPr lang="nl-NL" dirty="0" smtClean="0"/>
+          </a:p>
+          <a:p>
+            <a:pPr lvl="1"/>
+            <a:endParaRPr lang="nl-NL" dirty="0"/>
           </a:p>
         </p:txBody>
       </p:sp>
@@ -3731,8 +4963,8 @@
           <a:lstStyle/>
           <a:p>
             <a:r>
-              <a:rPr lang="en-US" dirty="0" err="1" smtClean="0"/>
-              <a:t>Javascript</a:t>
+              <a:rPr lang="en-US" dirty="0" smtClean="0"/>
+              <a:t>HTML5 &amp; JavaScript</a:t>
             </a:r>
             <a:endParaRPr lang="nl-NL" dirty="0"/>
           </a:p>
@@ -3753,7 +4985,63 @@
           <a:bodyPr/>
           <a:lstStyle/>
           <a:p>
-            <a:endParaRPr lang="nl-NL"/>
+            <a:r>
+              <a:rPr lang="nl-NL" dirty="0" err="1" smtClean="0"/>
+              <a:t>JSP’s</a:t>
+            </a:r>
+            <a:r>
+              <a:rPr lang="nl-NL" dirty="0" smtClean="0"/>
+              <a:t> bouwen</a:t>
+            </a:r>
+          </a:p>
+          <a:p>
+            <a:pPr lvl="1"/>
+            <a:r>
+              <a:rPr lang="nl-NL" dirty="0" smtClean="0"/>
+              <a:t>Canvas tekenen: bord </a:t>
+            </a:r>
+          </a:p>
+          <a:p>
+            <a:pPr lvl="1"/>
+            <a:r>
+              <a:rPr lang="nl-NL" dirty="0" smtClean="0"/>
+              <a:t>Klik verwerking</a:t>
+            </a:r>
+          </a:p>
+          <a:p>
+            <a:pPr lvl="2"/>
+            <a:r>
+              <a:rPr lang="nl-NL" dirty="0" smtClean="0"/>
+              <a:t>Coördinaten doorgeven</a:t>
+            </a:r>
+          </a:p>
+          <a:p>
+            <a:pPr lvl="2"/>
+            <a:r>
+              <a:rPr lang="nl-NL" dirty="0" smtClean="0"/>
+              <a:t>Plaatsen/weergeven boten</a:t>
+            </a:r>
+          </a:p>
+          <a:p>
+            <a:r>
+              <a:rPr lang="nl-NL" dirty="0" err="1" smtClean="0"/>
+              <a:t>JQuery</a:t>
+            </a:r>
+            <a:endParaRPr lang="nl-NL" dirty="0" smtClean="0"/>
+          </a:p>
+          <a:p>
+            <a:pPr lvl="1"/>
+            <a:r>
+              <a:rPr lang="nl-NL" dirty="0" smtClean="0"/>
+              <a:t>JS Framework</a:t>
+            </a:r>
+          </a:p>
+          <a:p>
+            <a:pPr lvl="2"/>
+            <a:r>
+              <a:rPr lang="nl-NL" dirty="0" smtClean="0"/>
+              <a:t>Uitbereiding</a:t>
+            </a:r>
           </a:p>
         </p:txBody>
       </p:sp>
@@ -4046,4 +5334,289 @@
   <a:objectDefaults/>
   <a:extraClrSchemeLst/>
 </a:theme>
+</file>
+
+<file path=ppt/theme/theme2.xml><?xml version="1.0" encoding="utf-8"?>
+<a:theme xmlns:a="http://schemas.openxmlformats.org/drawingml/2006/main" name="Kantoorthema">
+  <a:themeElements>
+    <a:clrScheme name="Kantoor">
+      <a:dk1>
+        <a:sysClr val="windowText" lastClr="000000"/>
+      </a:dk1>
+      <a:lt1>
+        <a:sysClr val="window" lastClr="FFFFFF"/>
+      </a:lt1>
+      <a:dk2>
+        <a:srgbClr val="1F497D"/>
+      </a:dk2>
+      <a:lt2>
+        <a:srgbClr val="EEECE1"/>
+      </a:lt2>
+      <a:accent1>
+        <a:srgbClr val="4F81BD"/>
+      </a:accent1>
+      <a:accent2>
+        <a:srgbClr val="C0504D"/>
+      </a:accent2>
+      <a:accent3>
+        <a:srgbClr val="9BBB59"/>
+      </a:accent3>
+      <a:accent4>
+        <a:srgbClr val="8064A2"/>
+      </a:accent4>
+      <a:accent5>
+        <a:srgbClr val="4BACC6"/>
+      </a:accent5>
+      <a:accent6>
+        <a:srgbClr val="F79646"/>
+      </a:accent6>
+      <a:hlink>
+        <a:srgbClr val="0000FF"/>
+      </a:hlink>
+      <a:folHlink>
+        <a:srgbClr val="800080"/>
+      </a:folHlink>
+    </a:clrScheme>
+    <a:fontScheme name="Kantoor">
+      <a:majorFont>
+        <a:latin typeface="Calibri"/>
+        <a:ea typeface=""/>
+        <a:cs typeface=""/>
+        <a:font script="Jpan" typeface="ＭＳ Ｐゴシック"/>
+        <a:font script="Hang" typeface="맑은 고딕"/>
+        <a:font script="Hans" typeface="宋体"/>
+        <a:font script="Hant" typeface="新細明體"/>
+        <a:font script="Arab" typeface="Times New Roman"/>
+        <a:font script="Hebr" typeface="Times New Roman"/>
+        <a:font script="Thai" typeface="Angsana New"/>
+        <a:font script="Ethi" typeface="Nyala"/>
+        <a:font script="Beng" typeface="Vrinda"/>
+        <a:font script="Gujr" typeface="Shruti"/>
+        <a:font script="Khmr" typeface="MoolBoran"/>
+        <a:font script="Knda" typeface="Tunga"/>
+        <a:font script="Guru" typeface="Raavi"/>
+        <a:font script="Cans" typeface="Euphemia"/>
+        <a:font script="Cher" typeface="Plantagenet Cherokee"/>
+        <a:font script="Yiii" typeface="Microsoft Yi Baiti"/>
+        <a:font script="Tibt" typeface="Microsoft Himalaya"/>
+        <a:font script="Thaa" typeface="MV Boli"/>
+        <a:font script="Deva" typeface="Mangal"/>
+        <a:font script="Telu" typeface="Gautami"/>
+        <a:font script="Taml" typeface="Latha"/>
+        <a:font script="Syrc" typeface="Estrangelo Edessa"/>
+        <a:font script="Orya" typeface="Kalinga"/>
+        <a:font script="Mlym" typeface="Kartika"/>
+        <a:font script="Laoo" typeface="DokChampa"/>
+        <a:font script="Sinh" typeface="Iskoola Pota"/>
+        <a:font script="Mong" typeface="Mongolian Baiti"/>
+        <a:font script="Viet" typeface="Times New Roman"/>
+        <a:font script="Uigh" typeface="Microsoft Uighur"/>
+        <a:font script="Geor" typeface="Sylfaen"/>
+      </a:majorFont>
+      <a:minorFont>
+        <a:latin typeface="Calibri"/>
+        <a:ea typeface=""/>
+        <a:cs typeface=""/>
+        <a:font script="Jpan" typeface="ＭＳ Ｐゴシック"/>
+        <a:font script="Hang" typeface="맑은 고딕"/>
+        <a:font script="Hans" typeface="宋体"/>
+        <a:font script="Hant" typeface="新細明體"/>
+        <a:font script="Arab" typeface="Arial"/>
+        <a:font script="Hebr" typeface="Arial"/>
+        <a:font script="Thai" typeface="Cordia New"/>
+        <a:font script="Ethi" typeface="Nyala"/>
+        <a:font script="Beng" typeface="Vrinda"/>
+        <a:font script="Gujr" typeface="Shruti"/>
+        <a:font script="Khmr" typeface="DaunPenh"/>
+        <a:font script="Knda" typeface="Tunga"/>
+        <a:font script="Guru" typeface="Raavi"/>
+        <a:font script="Cans" typeface="Euphemia"/>
+        <a:font script="Cher" typeface="Plantagenet Cherokee"/>
+        <a:font script="Yiii" typeface="Microsoft Yi Baiti"/>
+        <a:font script="Tibt" typeface="Microsoft Himalaya"/>
+        <a:font script="Thaa" typeface="MV Boli"/>
+        <a:font script="Deva" typeface="Mangal"/>
+        <a:font script="Telu" typeface="Gautami"/>
+        <a:font script="Taml" typeface="Latha"/>
+        <a:font script="Syrc" typeface="Estrangelo Edessa"/>
+        <a:font script="Orya" typeface="Kalinga"/>
+        <a:font script="Mlym" typeface="Kartika"/>
+        <a:font script="Laoo" typeface="DokChampa"/>
+        <a:font script="Sinh" typeface="Iskoola Pota"/>
+        <a:font script="Mong" typeface="Mongolian Baiti"/>
+        <a:font script="Viet" typeface="Arial"/>
+        <a:font script="Uigh" typeface="Microsoft Uighur"/>
+        <a:font script="Geor" typeface="Sylfaen"/>
+      </a:minorFont>
+    </a:fontScheme>
+    <a:fmtScheme name="Kantoor">
+      <a:fillStyleLst>
+        <a:solidFill>
+          <a:schemeClr val="phClr"/>
+        </a:solidFill>
+        <a:gradFill rotWithShape="1">
+          <a:gsLst>
+            <a:gs pos="0">
+              <a:schemeClr val="phClr">
+                <a:tint val="50000"/>
+                <a:satMod val="300000"/>
+              </a:schemeClr>
+            </a:gs>
+            <a:gs pos="35000">
+              <a:schemeClr val="phClr">
+                <a:tint val="37000"/>
+                <a:satMod val="300000"/>
+              </a:schemeClr>
+            </a:gs>
+            <a:gs pos="100000">
+              <a:schemeClr val="phClr">
+                <a:tint val="15000"/>
+                <a:satMod val="350000"/>
+              </a:schemeClr>
+            </a:gs>
+          </a:gsLst>
+          <a:lin ang="16200000" scaled="1"/>
+        </a:gradFill>
+        <a:gradFill rotWithShape="1">
+          <a:gsLst>
+            <a:gs pos="0">
+              <a:schemeClr val="phClr">
+                <a:shade val="51000"/>
+                <a:satMod val="130000"/>
+              </a:schemeClr>
+            </a:gs>
+            <a:gs pos="80000">
+              <a:schemeClr val="phClr">
+                <a:shade val="93000"/>
+                <a:satMod val="130000"/>
+              </a:schemeClr>
+            </a:gs>
+            <a:gs pos="100000">
+              <a:schemeClr val="phClr">
+                <a:shade val="94000"/>
+                <a:satMod val="135000"/>
+              </a:schemeClr>
+            </a:gs>
+          </a:gsLst>
+          <a:lin ang="16200000" scaled="0"/>
+        </a:gradFill>
+      </a:fillStyleLst>
+      <a:lnStyleLst>
+        <a:ln w="9525" cap="flat" cmpd="sng" algn="ctr">
+          <a:solidFill>
+            <a:schemeClr val="phClr">
+              <a:shade val="95000"/>
+              <a:satMod val="105000"/>
+            </a:schemeClr>
+          </a:solidFill>
+          <a:prstDash val="solid"/>
+        </a:ln>
+        <a:ln w="25400" cap="flat" cmpd="sng" algn="ctr">
+          <a:solidFill>
+            <a:schemeClr val="phClr"/>
+          </a:solidFill>
+          <a:prstDash val="solid"/>
+        </a:ln>
+        <a:ln w="38100" cap="flat" cmpd="sng" algn="ctr">
+          <a:solidFill>
+            <a:schemeClr val="phClr"/>
+          </a:solidFill>
+          <a:prstDash val="solid"/>
+        </a:ln>
+      </a:lnStyleLst>
+      <a:effectStyleLst>
+        <a:effectStyle>
+          <a:effectLst>
+            <a:outerShdw blurRad="40000" dist="20000" dir="5400000" rotWithShape="0">
+              <a:srgbClr val="000000">
+                <a:alpha val="38000"/>
+              </a:srgbClr>
+            </a:outerShdw>
+          </a:effectLst>
+        </a:effectStyle>
+        <a:effectStyle>
+          <a:effectLst>
+            <a:outerShdw blurRad="40000" dist="23000" dir="5400000" rotWithShape="0">
+              <a:srgbClr val="000000">
+                <a:alpha val="35000"/>
+              </a:srgbClr>
+            </a:outerShdw>
+          </a:effectLst>
+        </a:effectStyle>
+        <a:effectStyle>
+          <a:effectLst>
+            <a:outerShdw blurRad="40000" dist="23000" dir="5400000" rotWithShape="0">
+              <a:srgbClr val="000000">
+                <a:alpha val="35000"/>
+              </a:srgbClr>
+            </a:outerShdw>
+          </a:effectLst>
+          <a:scene3d>
+            <a:camera prst="orthographicFront">
+              <a:rot lat="0" lon="0" rev="0"/>
+            </a:camera>
+            <a:lightRig rig="threePt" dir="t">
+              <a:rot lat="0" lon="0" rev="1200000"/>
+            </a:lightRig>
+          </a:scene3d>
+          <a:sp3d>
+            <a:bevelT w="63500" h="25400"/>
+          </a:sp3d>
+        </a:effectStyle>
+      </a:effectStyleLst>
+      <a:bgFillStyleLst>
+        <a:solidFill>
+          <a:schemeClr val="phClr"/>
+        </a:solidFill>
+        <a:gradFill rotWithShape="1">
+          <a:gsLst>
+            <a:gs pos="0">
+              <a:schemeClr val="phClr">
+                <a:tint val="40000"/>
+                <a:satMod val="350000"/>
+              </a:schemeClr>
+            </a:gs>
+            <a:gs pos="40000">
+              <a:schemeClr val="phClr">
+                <a:tint val="45000"/>
+                <a:shade val="99000"/>
+                <a:satMod val="350000"/>
+              </a:schemeClr>
+            </a:gs>
+            <a:gs pos="100000">
+              <a:schemeClr val="phClr">
+                <a:shade val="20000"/>
+                <a:satMod val="255000"/>
+              </a:schemeClr>
+            </a:gs>
+          </a:gsLst>
+          <a:path path="circle">
+            <a:fillToRect l="50000" t="-80000" r="50000" b="180000"/>
+          </a:path>
+        </a:gradFill>
+        <a:gradFill rotWithShape="1">
+          <a:gsLst>
+            <a:gs pos="0">
+              <a:schemeClr val="phClr">
+                <a:tint val="80000"/>
+                <a:satMod val="300000"/>
+              </a:schemeClr>
+            </a:gs>
+            <a:gs pos="100000">
+              <a:schemeClr val="phClr">
+                <a:shade val="30000"/>
+                <a:satMod val="200000"/>
+              </a:schemeClr>
+            </a:gs>
+          </a:gsLst>
+          <a:path path="circle">
+            <a:fillToRect l="50000" t="50000" r="50000" b="50000"/>
+          </a:path>
+        </a:gradFill>
+      </a:bgFillStyleLst>
+    </a:fmtScheme>
+  </a:themeElements>
+  <a:objectDefaults/>
+  <a:extraClrSchemeLst/>
+</a:theme>
 </file>
--- a/ZeeslagPresentatie.pptx
+++ b/ZeeslagPresentatie.pptx
@@ -930,7 +930,7 @@
           <a:bodyPr/>
           <a:lstStyle/>
           <a:p>
-            <a:fld id="{DC755939-9C8F-4764-AEFE-40E40F87E722}" type="datetimeFigureOut">
+            <a:fld id="{A3148C2A-373F-4A0B-ADD9-9B6903C09FCC}" type="datetime1">
               <a:rPr lang="nl-NL" smtClean="0"/>
               <a:t>18-11-2015</a:t>
             </a:fld>
@@ -1095,7 +1095,7 @@
           <a:bodyPr/>
           <a:lstStyle/>
           <a:p>
-            <a:fld id="{DC755939-9C8F-4764-AEFE-40E40F87E722}" type="datetimeFigureOut">
+            <a:fld id="{3782B4FA-7808-4A48-8527-73D16271F5A6}" type="datetime1">
               <a:rPr lang="nl-NL" smtClean="0"/>
               <a:t>18-11-2015</a:t>
             </a:fld>
@@ -1270,7 +1270,7 @@
           <a:bodyPr/>
           <a:lstStyle/>
           <a:p>
-            <a:fld id="{DC755939-9C8F-4764-AEFE-40E40F87E722}" type="datetimeFigureOut">
+            <a:fld id="{3FAA358B-BD7B-4E13-8055-E2B965FCE361}" type="datetime1">
               <a:rPr lang="nl-NL" smtClean="0"/>
               <a:t>18-11-2015</a:t>
             </a:fld>
@@ -1435,7 +1435,7 @@
           <a:bodyPr/>
           <a:lstStyle/>
           <a:p>
-            <a:fld id="{DC755939-9C8F-4764-AEFE-40E40F87E722}" type="datetimeFigureOut">
+            <a:fld id="{10F32E0F-C824-48FE-B038-07A2350E6EC9}" type="datetime1">
               <a:rPr lang="nl-NL" smtClean="0"/>
               <a:t>18-11-2015</a:t>
             </a:fld>
@@ -1676,7 +1676,7 @@
           <a:bodyPr/>
           <a:lstStyle/>
           <a:p>
-            <a:fld id="{DC755939-9C8F-4764-AEFE-40E40F87E722}" type="datetimeFigureOut">
+            <a:fld id="{24FDA156-A248-4546-AE92-A6CF4129BF6B}" type="datetime1">
               <a:rPr lang="nl-NL" smtClean="0"/>
               <a:t>18-11-2015</a:t>
             </a:fld>
@@ -1959,7 +1959,7 @@
           <a:bodyPr/>
           <a:lstStyle/>
           <a:p>
-            <a:fld id="{DC755939-9C8F-4764-AEFE-40E40F87E722}" type="datetimeFigureOut">
+            <a:fld id="{7ACF6335-09FC-41E3-B28C-F777CC13F281}" type="datetime1">
               <a:rPr lang="nl-NL" smtClean="0"/>
               <a:t>18-11-2015</a:t>
             </a:fld>
@@ -2376,7 +2376,7 @@
           <a:bodyPr/>
           <a:lstStyle/>
           <a:p>
-            <a:fld id="{DC755939-9C8F-4764-AEFE-40E40F87E722}" type="datetimeFigureOut">
+            <a:fld id="{BE212D5F-C122-48C2-A759-C51BA91F6486}" type="datetime1">
               <a:rPr lang="nl-NL" smtClean="0"/>
               <a:t>18-11-2015</a:t>
             </a:fld>
@@ -2489,7 +2489,7 @@
           <a:bodyPr/>
           <a:lstStyle/>
           <a:p>
-            <a:fld id="{DC755939-9C8F-4764-AEFE-40E40F87E722}" type="datetimeFigureOut">
+            <a:fld id="{6A884A0F-B8CC-4C4C-8C3C-E3CF882D71C5}" type="datetime1">
               <a:rPr lang="nl-NL" smtClean="0"/>
               <a:t>18-11-2015</a:t>
             </a:fld>
@@ -2579,7 +2579,7 @@
           <a:bodyPr/>
           <a:lstStyle/>
           <a:p>
-            <a:fld id="{DC755939-9C8F-4764-AEFE-40E40F87E722}" type="datetimeFigureOut">
+            <a:fld id="{70A369C1-2A09-4E01-B803-B2A9606C153D}" type="datetime1">
               <a:rPr lang="nl-NL" smtClean="0"/>
               <a:t>18-11-2015</a:t>
             </a:fld>
@@ -2851,7 +2851,7 @@
           <a:bodyPr/>
           <a:lstStyle/>
           <a:p>
-            <a:fld id="{DC755939-9C8F-4764-AEFE-40E40F87E722}" type="datetimeFigureOut">
+            <a:fld id="{8E35EA81-F35D-4DE0-9883-71FD6E74203F}" type="datetime1">
               <a:rPr lang="nl-NL" smtClean="0"/>
               <a:t>18-11-2015</a:t>
             </a:fld>
@@ -3099,7 +3099,7 @@
           <a:bodyPr/>
           <a:lstStyle/>
           <a:p>
-            <a:fld id="{DC755939-9C8F-4764-AEFE-40E40F87E722}" type="datetimeFigureOut">
+            <a:fld id="{E7C62E92-E18B-467A-8A40-16179C18DDC9}" type="datetime1">
               <a:rPr lang="nl-NL" smtClean="0"/>
               <a:t>18-11-2015</a:t>
             </a:fld>
@@ -3307,7 +3307,7 @@
             </a:lvl1pPr>
           </a:lstStyle>
           <a:p>
-            <a:fld id="{DC755939-9C8F-4764-AEFE-40E40F87E722}" type="datetimeFigureOut">
+            <a:fld id="{3093C476-5277-42D2-924F-A7C2869717FD}" type="datetime1">
               <a:rPr lang="nl-NL" smtClean="0"/>
               <a:t>18-11-2015</a:t>
             </a:fld>
@@ -3409,6 +3409,7 @@
     <p:sldLayoutId id="2147483658" r:id="rId10"/>
     <p:sldLayoutId id="2147483659" r:id="rId11"/>
   </p:sldLayoutIdLst>
+  <p:hf hdr="0"/>
   <p:txStyles>
     <p:titleStyle>
       <a:lvl1pPr algn="ctr" defTabSz="914400" rtl="0" eaLnBrk="1" latinLnBrk="0" hangingPunct="1">
@@ -3745,11 +3746,99 @@
           </a:p>
         </p:txBody>
       </p:sp>
+      <p:sp>
+        <p:nvSpPr>
+          <p:cNvPr id="4" name="Tijdelijke aanduiding voor datum 3"/>
+          <p:cNvSpPr>
+            <a:spLocks noGrp="1"/>
+          </p:cNvSpPr>
+          <p:nvPr>
+            <p:ph type="dt" sz="half" idx="10"/>
+          </p:nvPr>
+        </p:nvSpPr>
+        <p:spPr/>
+        <p:txBody>
+          <a:bodyPr/>
+          <a:lstStyle/>
+          <a:p>
+            <a:fld id="{04EC8713-65F6-44BF-A5C9-0A354DFCD1B0}" type="datetime1">
+              <a:rPr lang="nl-NL" smtClean="0"/>
+              <a:t>18-11-2015</a:t>
+            </a:fld>
+            <a:endParaRPr lang="nl-NL"/>
+          </a:p>
+        </p:txBody>
+      </p:sp>
+      <p:sp>
+        <p:nvSpPr>
+          <p:cNvPr id="5" name="Tijdelijke aanduiding voor voettekst 4"/>
+          <p:cNvSpPr>
+            <a:spLocks noGrp="1"/>
+          </p:cNvSpPr>
+          <p:nvPr>
+            <p:ph type="ftr" sz="quarter" idx="11"/>
+          </p:nvPr>
+        </p:nvSpPr>
+        <p:spPr/>
+        <p:txBody>
+          <a:bodyPr/>
+          <a:lstStyle/>
+          <a:p>
+            <a:r>
+              <a:rPr lang="nl-NL" dirty="0" smtClean="0"/>
+              <a:t>Young </a:t>
+            </a:r>
+            <a:r>
+              <a:rPr lang="nl-NL" dirty="0" err="1" smtClean="0"/>
+              <a:t>Capital</a:t>
+            </a:r>
+            <a:r>
+              <a:rPr lang="nl-NL" dirty="0" smtClean="0"/>
+              <a:t> Java </a:t>
+            </a:r>
+            <a:r>
+              <a:rPr lang="nl-NL" dirty="0" err="1" smtClean="0"/>
+              <a:t>traineeship</a:t>
+            </a:r>
+            <a:endParaRPr lang="nl-NL" dirty="0"/>
+          </a:p>
+        </p:txBody>
+      </p:sp>
+      <p:sp>
+        <p:nvSpPr>
+          <p:cNvPr id="6" name="Tijdelijke aanduiding voor dianummer 5"/>
+          <p:cNvSpPr>
+            <a:spLocks noGrp="1"/>
+          </p:cNvSpPr>
+          <p:nvPr>
+            <p:ph type="sldNum" sz="quarter" idx="12"/>
+          </p:nvPr>
+        </p:nvSpPr>
+        <p:spPr/>
+        <p:txBody>
+          <a:bodyPr/>
+          <a:lstStyle/>
+          <a:p>
+            <a:fld id="{8EDE433C-975D-40E0-AA17-C907AC02EBEB}" type="slidenum">
+              <a:rPr lang="nl-NL" smtClean="0"/>
+              <a:t>1</a:t>
+            </a:fld>
+            <a:endParaRPr lang="nl-NL"/>
+          </a:p>
+        </p:txBody>
+      </p:sp>
     </p:spTree>
   </p:cSld>
   <p:clrMapOvr>
     <a:masterClrMapping/>
   </p:clrMapOvr>
+  <p:timing>
+    <p:tnLst>
+      <p:par>
+        <p:cTn id="1" dur="indefinite" restart="never" nodeType="tmRoot"/>
+      </p:par>
+    </p:tnLst>
+  </p:timing>
 </p:sld>
 </file>
 
@@ -3861,6 +3950,71 @@
           </a:p>
         </p:txBody>
       </p:sp>
+      <p:sp>
+        <p:nvSpPr>
+          <p:cNvPr id="4" name="Tijdelijke aanduiding voor datum 3"/>
+          <p:cNvSpPr>
+            <a:spLocks noGrp="1"/>
+          </p:cNvSpPr>
+          <p:nvPr>
+            <p:ph type="dt" sz="half" idx="10"/>
+          </p:nvPr>
+        </p:nvSpPr>
+        <p:spPr/>
+        <p:txBody>
+          <a:bodyPr/>
+          <a:lstStyle/>
+          <a:p>
+            <a:fld id="{E4D620AB-80A7-4718-8A84-72BC8767E2D5}" type="datetime1">
+              <a:rPr lang="nl-NL" smtClean="0"/>
+              <a:t>18-11-2015</a:t>
+            </a:fld>
+            <a:endParaRPr lang="nl-NL"/>
+          </a:p>
+        </p:txBody>
+      </p:sp>
+      <p:sp>
+        <p:nvSpPr>
+          <p:cNvPr id="5" name="Tijdelijke aanduiding voor voettekst 4"/>
+          <p:cNvSpPr>
+            <a:spLocks noGrp="1"/>
+          </p:cNvSpPr>
+          <p:nvPr>
+            <p:ph type="ftr" sz="quarter" idx="11"/>
+          </p:nvPr>
+        </p:nvSpPr>
+        <p:spPr/>
+        <p:txBody>
+          <a:bodyPr/>
+          <a:lstStyle/>
+          <a:p>
+            <a:endParaRPr lang="nl-NL"/>
+          </a:p>
+        </p:txBody>
+      </p:sp>
+      <p:sp>
+        <p:nvSpPr>
+          <p:cNvPr id="6" name="Tijdelijke aanduiding voor dianummer 5"/>
+          <p:cNvSpPr>
+            <a:spLocks noGrp="1"/>
+          </p:cNvSpPr>
+          <p:nvPr>
+            <p:ph type="sldNum" sz="quarter" idx="12"/>
+          </p:nvPr>
+        </p:nvSpPr>
+        <p:spPr/>
+        <p:txBody>
+          <a:bodyPr/>
+          <a:lstStyle/>
+          <a:p>
+            <a:fld id="{8EDE433C-975D-40E0-AA17-C907AC02EBEB}" type="slidenum">
+              <a:rPr lang="nl-NL" smtClean="0"/>
+              <a:t>10</a:t>
+            </a:fld>
+            <a:endParaRPr lang="nl-NL"/>
+          </a:p>
+        </p:txBody>
+      </p:sp>
     </p:spTree>
     <p:extLst>
       <p:ext uri="{BB962C8B-B14F-4D97-AF65-F5344CB8AC3E}">
@@ -3871,6 +4025,13 @@
   <p:clrMapOvr>
     <a:masterClrMapping/>
   </p:clrMapOvr>
+  <p:timing>
+    <p:tnLst>
+      <p:par>
+        <p:cTn id="1" dur="indefinite" restart="never" nodeType="tmRoot"/>
+      </p:par>
+    </p:tnLst>
+  </p:timing>
 </p:sld>
 </file>
 
@@ -3909,8 +4070,12 @@
           <a:lstStyle/>
           <a:p>
             <a:r>
+              <a:rPr lang="nl-NL" sz="5400" dirty="0" err="1" smtClean="0"/>
+              <a:t>ZeeSlag</a:t>
+            </a:r>
+            <a:r>
               <a:rPr lang="nl-NL" sz="5400" dirty="0" smtClean="0"/>
-              <a:t>Demo</a:t>
+              <a:t> Online Demo</a:t>
             </a:r>
             <a:endParaRPr lang="nl-NL" sz="5400" dirty="0"/>
           </a:p>
@@ -3931,6 +4096,71 @@
           <a:bodyPr/>
           <a:lstStyle/>
           <a:p>
+            <a:endParaRPr lang="nl-NL" dirty="0"/>
+          </a:p>
+        </p:txBody>
+      </p:sp>
+      <p:sp>
+        <p:nvSpPr>
+          <p:cNvPr id="4" name="Tijdelijke aanduiding voor datum 3"/>
+          <p:cNvSpPr>
+            <a:spLocks noGrp="1"/>
+          </p:cNvSpPr>
+          <p:nvPr>
+            <p:ph type="dt" sz="half" idx="10"/>
+          </p:nvPr>
+        </p:nvSpPr>
+        <p:spPr/>
+        <p:txBody>
+          <a:bodyPr/>
+          <a:lstStyle/>
+          <a:p>
+            <a:fld id="{F34BE9D9-C6C9-4394-BD46-B9198AE7BDFF}" type="datetime1">
+              <a:rPr lang="nl-NL" smtClean="0"/>
+              <a:t>18-11-2015</a:t>
+            </a:fld>
+            <a:endParaRPr lang="nl-NL"/>
+          </a:p>
+        </p:txBody>
+      </p:sp>
+      <p:sp>
+        <p:nvSpPr>
+          <p:cNvPr id="5" name="Tijdelijke aanduiding voor voettekst 4"/>
+          <p:cNvSpPr>
+            <a:spLocks noGrp="1"/>
+          </p:cNvSpPr>
+          <p:nvPr>
+            <p:ph type="ftr" sz="quarter" idx="11"/>
+          </p:nvPr>
+        </p:nvSpPr>
+        <p:spPr/>
+        <p:txBody>
+          <a:bodyPr/>
+          <a:lstStyle/>
+          <a:p>
+            <a:endParaRPr lang="nl-NL"/>
+          </a:p>
+        </p:txBody>
+      </p:sp>
+      <p:sp>
+        <p:nvSpPr>
+          <p:cNvPr id="6" name="Tijdelijke aanduiding voor dianummer 5"/>
+          <p:cNvSpPr>
+            <a:spLocks noGrp="1"/>
+          </p:cNvSpPr>
+          <p:nvPr>
+            <p:ph type="sldNum" sz="quarter" idx="12"/>
+          </p:nvPr>
+        </p:nvSpPr>
+        <p:spPr/>
+        <p:txBody>
+          <a:bodyPr/>
+          <a:lstStyle/>
+          <a:p>
+            <a:fld id="{8EDE433C-975D-40E0-AA17-C907AC02EBEB}" type="slidenum">
+              <a:rPr lang="nl-NL" smtClean="0"/>
+              <a:t>11</a:t>
+            </a:fld>
             <a:endParaRPr lang="nl-NL"/>
           </a:p>
         </p:txBody>
@@ -3945,6 +4175,13 @@
   <p:clrMapOvr>
     <a:masterClrMapping/>
   </p:clrMapOvr>
+  <p:timing>
+    <p:tnLst>
+      <p:par>
+        <p:cTn id="1" dur="indefinite" restart="never" nodeType="tmRoot"/>
+      </p:par>
+    </p:tnLst>
+  </p:timing>
 </p:sld>
 </file>
 
@@ -4007,11 +4244,83 @@
           </a:p>
         </p:txBody>
       </p:sp>
+      <p:sp>
+        <p:nvSpPr>
+          <p:cNvPr id="4" name="Tijdelijke aanduiding voor datum 3"/>
+          <p:cNvSpPr>
+            <a:spLocks noGrp="1"/>
+          </p:cNvSpPr>
+          <p:nvPr>
+            <p:ph type="dt" sz="half" idx="10"/>
+          </p:nvPr>
+        </p:nvSpPr>
+        <p:spPr/>
+        <p:txBody>
+          <a:bodyPr/>
+          <a:lstStyle/>
+          <a:p>
+            <a:fld id="{8BD4A47A-27D5-485E-82C7-AE27EBCA82AC}" type="datetime1">
+              <a:rPr lang="nl-NL" smtClean="0"/>
+              <a:t>18-11-2015</a:t>
+            </a:fld>
+            <a:endParaRPr lang="nl-NL"/>
+          </a:p>
+        </p:txBody>
+      </p:sp>
+      <p:sp>
+        <p:nvSpPr>
+          <p:cNvPr id="5" name="Tijdelijke aanduiding voor voettekst 4"/>
+          <p:cNvSpPr>
+            <a:spLocks noGrp="1"/>
+          </p:cNvSpPr>
+          <p:nvPr>
+            <p:ph type="ftr" sz="quarter" idx="11"/>
+          </p:nvPr>
+        </p:nvSpPr>
+        <p:spPr/>
+        <p:txBody>
+          <a:bodyPr/>
+          <a:lstStyle/>
+          <a:p>
+            <a:endParaRPr lang="nl-NL"/>
+          </a:p>
+        </p:txBody>
+      </p:sp>
+      <p:sp>
+        <p:nvSpPr>
+          <p:cNvPr id="6" name="Tijdelijke aanduiding voor dianummer 5"/>
+          <p:cNvSpPr>
+            <a:spLocks noGrp="1"/>
+          </p:cNvSpPr>
+          <p:nvPr>
+            <p:ph type="sldNum" sz="quarter" idx="12"/>
+          </p:nvPr>
+        </p:nvSpPr>
+        <p:spPr/>
+        <p:txBody>
+          <a:bodyPr/>
+          <a:lstStyle/>
+          <a:p>
+            <a:fld id="{8EDE433C-975D-40E0-AA17-C907AC02EBEB}" type="slidenum">
+              <a:rPr lang="nl-NL" smtClean="0"/>
+              <a:t>12</a:t>
+            </a:fld>
+            <a:endParaRPr lang="nl-NL"/>
+          </a:p>
+        </p:txBody>
+      </p:sp>
     </p:spTree>
   </p:cSld>
   <p:clrMapOvr>
     <a:masterClrMapping/>
   </p:clrMapOvr>
+  <p:timing>
+    <p:tnLst>
+      <p:par>
+        <p:cTn id="1" dur="indefinite" restart="never" nodeType="tmRoot"/>
+      </p:par>
+    </p:tnLst>
+  </p:timing>
 </p:sld>
 </file>
 
@@ -4135,11 +4444,83 @@
           </a:extLst>
         </p:spPr>
       </p:pic>
+      <p:sp>
+        <p:nvSpPr>
+          <p:cNvPr id="4" name="Tijdelijke aanduiding voor datum 3"/>
+          <p:cNvSpPr>
+            <a:spLocks noGrp="1"/>
+          </p:cNvSpPr>
+          <p:nvPr>
+            <p:ph type="dt" sz="half" idx="10"/>
+          </p:nvPr>
+        </p:nvSpPr>
+        <p:spPr/>
+        <p:txBody>
+          <a:bodyPr/>
+          <a:lstStyle/>
+          <a:p>
+            <a:fld id="{A13C9F78-21D0-4194-A10A-2B639A1E999D}" type="datetime1">
+              <a:rPr lang="nl-NL" smtClean="0"/>
+              <a:t>18-11-2015</a:t>
+            </a:fld>
+            <a:endParaRPr lang="nl-NL"/>
+          </a:p>
+        </p:txBody>
+      </p:sp>
+      <p:sp>
+        <p:nvSpPr>
+          <p:cNvPr id="5" name="Tijdelijke aanduiding voor voettekst 4"/>
+          <p:cNvSpPr>
+            <a:spLocks noGrp="1"/>
+          </p:cNvSpPr>
+          <p:nvPr>
+            <p:ph type="ftr" sz="quarter" idx="11"/>
+          </p:nvPr>
+        </p:nvSpPr>
+        <p:spPr/>
+        <p:txBody>
+          <a:bodyPr/>
+          <a:lstStyle/>
+          <a:p>
+            <a:endParaRPr lang="nl-NL"/>
+          </a:p>
+        </p:txBody>
+      </p:sp>
+      <p:sp>
+        <p:nvSpPr>
+          <p:cNvPr id="6" name="Tijdelijke aanduiding voor dianummer 5"/>
+          <p:cNvSpPr>
+            <a:spLocks noGrp="1"/>
+          </p:cNvSpPr>
+          <p:nvPr>
+            <p:ph type="sldNum" sz="quarter" idx="12"/>
+          </p:nvPr>
+        </p:nvSpPr>
+        <p:spPr/>
+        <p:txBody>
+          <a:bodyPr/>
+          <a:lstStyle/>
+          <a:p>
+            <a:fld id="{8EDE433C-975D-40E0-AA17-C907AC02EBEB}" type="slidenum">
+              <a:rPr lang="nl-NL" smtClean="0"/>
+              <a:t>2</a:t>
+            </a:fld>
+            <a:endParaRPr lang="nl-NL"/>
+          </a:p>
+        </p:txBody>
+      </p:sp>
     </p:spTree>
   </p:cSld>
   <p:clrMapOvr>
     <a:masterClrMapping/>
   </p:clrMapOvr>
+  <p:timing>
+    <p:tnLst>
+      <p:par>
+        <p:cTn id="1" dur="indefinite" restart="never" nodeType="tmRoot"/>
+      </p:par>
+    </p:tnLst>
+  </p:timing>
 </p:sld>
 </file>
 
@@ -4257,6 +4638,71 @@
           </a:prstGeom>
         </p:spPr>
       </p:pic>
+      <p:sp>
+        <p:nvSpPr>
+          <p:cNvPr id="5" name="Tijdelijke aanduiding voor datum 4"/>
+          <p:cNvSpPr>
+            <a:spLocks noGrp="1"/>
+          </p:cNvSpPr>
+          <p:nvPr>
+            <p:ph type="dt" sz="half" idx="10"/>
+          </p:nvPr>
+        </p:nvSpPr>
+        <p:spPr/>
+        <p:txBody>
+          <a:bodyPr/>
+          <a:lstStyle/>
+          <a:p>
+            <a:fld id="{337E24A9-A50E-4A65-ACA0-76410CD731DA}" type="datetime1">
+              <a:rPr lang="nl-NL" smtClean="0"/>
+              <a:t>18-11-2015</a:t>
+            </a:fld>
+            <a:endParaRPr lang="nl-NL"/>
+          </a:p>
+        </p:txBody>
+      </p:sp>
+      <p:sp>
+        <p:nvSpPr>
+          <p:cNvPr id="6" name="Tijdelijke aanduiding voor voettekst 5"/>
+          <p:cNvSpPr>
+            <a:spLocks noGrp="1"/>
+          </p:cNvSpPr>
+          <p:nvPr>
+            <p:ph type="ftr" sz="quarter" idx="11"/>
+          </p:nvPr>
+        </p:nvSpPr>
+        <p:spPr/>
+        <p:txBody>
+          <a:bodyPr/>
+          <a:lstStyle/>
+          <a:p>
+            <a:endParaRPr lang="nl-NL"/>
+          </a:p>
+        </p:txBody>
+      </p:sp>
+      <p:sp>
+        <p:nvSpPr>
+          <p:cNvPr id="7" name="Tijdelijke aanduiding voor dianummer 6"/>
+          <p:cNvSpPr>
+            <a:spLocks noGrp="1"/>
+          </p:cNvSpPr>
+          <p:nvPr>
+            <p:ph type="sldNum" sz="quarter" idx="12"/>
+          </p:nvPr>
+        </p:nvSpPr>
+        <p:spPr/>
+        <p:txBody>
+          <a:bodyPr/>
+          <a:lstStyle/>
+          <a:p>
+            <a:fld id="{8EDE433C-975D-40E0-AA17-C907AC02EBEB}" type="slidenum">
+              <a:rPr lang="nl-NL" smtClean="0"/>
+              <a:t>3</a:t>
+            </a:fld>
+            <a:endParaRPr lang="nl-NL"/>
+          </a:p>
+        </p:txBody>
+      </p:sp>
     </p:spTree>
     <p:extLst>
       <p:ext uri="{BB962C8B-B14F-4D97-AF65-F5344CB8AC3E}">
@@ -4267,6 +4713,13 @@
   <p:clrMapOvr>
     <a:masterClrMapping/>
   </p:clrMapOvr>
+  <p:timing>
+    <p:tnLst>
+      <p:par>
+        <p:cTn id="1" dur="indefinite" restart="never" nodeType="tmRoot"/>
+      </p:par>
+    </p:tnLst>
+  </p:timing>
 </p:sld>
 </file>
 
@@ -4304,7 +4757,11 @@
           <a:p>
             <a:r>
               <a:rPr lang="en-US" dirty="0" smtClean="0"/>
-              <a:t>Console</a:t>
+              <a:t>Console </a:t>
+            </a:r>
+            <a:r>
+              <a:rPr lang="en-US" dirty="0" err="1" smtClean="0"/>
+              <a:t>Versie</a:t>
             </a:r>
             <a:endParaRPr lang="nl-NL" dirty="0"/>
           </a:p>
@@ -4400,6 +4857,116 @@
           <a:p>
             <a:endParaRPr lang="en-US" dirty="0"/>
           </a:p>
+          <a:p>
+            <a:endParaRPr lang="nl-NL" dirty="0"/>
+          </a:p>
+        </p:txBody>
+      </p:sp>
+      <p:pic>
+        <p:nvPicPr>
+          <p:cNvPr id="2052" name="Picture 4"/>
+          <p:cNvPicPr>
+            <a:picLocks noChangeAspect="1" noChangeArrowheads="1"/>
+          </p:cNvPicPr>
+          <p:nvPr/>
+        </p:nvPicPr>
+        <p:blipFill>
+          <a:blip r:embed="rId3">
+            <a:extLst>
+              <a:ext uri="{28A0092B-C50C-407E-A947-70E740481C1C}">
+                <a14:useLocalDpi xmlns:a14="http://schemas.microsoft.com/office/drawing/2010/main" val="0"/>
+              </a:ext>
+            </a:extLst>
+          </a:blip>
+          <a:srcRect/>
+          <a:stretch>
+            <a:fillRect/>
+          </a:stretch>
+        </p:blipFill>
+        <p:spPr bwMode="auto">
+          <a:xfrm>
+            <a:off x="3635896" y="2420888"/>
+            <a:ext cx="5458374" cy="4392487"/>
+          </a:xfrm>
+          <a:prstGeom prst="rect">
+            <a:avLst/>
+          </a:prstGeom>
+          <a:noFill/>
+          <a:ln w="9525">
+            <a:solidFill>
+              <a:schemeClr val="tx1"/>
+            </a:solidFill>
+            <a:miter lim="800000"/>
+            <a:headEnd/>
+            <a:tailEnd/>
+          </a:ln>
+          <a:extLst>
+            <a:ext uri="{909E8E84-426E-40DD-AFC4-6F175D3DCCD1}">
+              <a14:hiddenFill xmlns:a14="http://schemas.microsoft.com/office/drawing/2010/main">
+                <a:solidFill>
+                  <a:schemeClr val="accent1"/>
+                </a:solidFill>
+              </a14:hiddenFill>
+            </a:ext>
+          </a:extLst>
+        </p:spPr>
+      </p:pic>
+      <p:sp>
+        <p:nvSpPr>
+          <p:cNvPr id="4" name="Tijdelijke aanduiding voor datum 3"/>
+          <p:cNvSpPr>
+            <a:spLocks noGrp="1"/>
+          </p:cNvSpPr>
+          <p:nvPr>
+            <p:ph type="dt" sz="half" idx="10"/>
+          </p:nvPr>
+        </p:nvSpPr>
+        <p:spPr/>
+        <p:txBody>
+          <a:bodyPr/>
+          <a:lstStyle/>
+          <a:p>
+            <a:fld id="{62523FEB-0B14-4A8C-85C2-E053A4159B30}" type="datetime1">
+              <a:rPr lang="nl-NL" smtClean="0"/>
+              <a:t>18-11-2015</a:t>
+            </a:fld>
+            <a:endParaRPr lang="nl-NL"/>
+          </a:p>
+        </p:txBody>
+      </p:sp>
+      <p:sp>
+        <p:nvSpPr>
+          <p:cNvPr id="5" name="Tijdelijke aanduiding voor voettekst 4"/>
+          <p:cNvSpPr>
+            <a:spLocks noGrp="1"/>
+          </p:cNvSpPr>
+          <p:nvPr>
+            <p:ph type="ftr" sz="quarter" idx="11"/>
+          </p:nvPr>
+        </p:nvSpPr>
+        <p:spPr/>
+        <p:txBody>
+          <a:bodyPr/>
+          <a:lstStyle/>
+          <a:p>
+            <a:endParaRPr lang="nl-NL"/>
+          </a:p>
+        </p:txBody>
+      </p:sp>
+      <p:sp>
+        <p:nvSpPr>
+          <p:cNvPr id="6" name="Tijdelijke aanduiding voor dianummer 5"/>
+          <p:cNvSpPr>
+            <a:spLocks noGrp="1"/>
+          </p:cNvSpPr>
+          <p:nvPr>
+            <p:ph type="sldNum" sz="quarter" idx="12"/>
+          </p:nvPr>
+        </p:nvSpPr>
+        <p:spPr/>
+        <p:txBody>
+          <a:bodyPr/>
+          <a:lstStyle/>
           <a:p>
             <a:endParaRPr lang="nl-NL" dirty="0"/>
           </a:p>
@@ -4410,6 +4977,13 @@
   <p:clrMapOvr>
     <a:masterClrMapping/>
   </p:clrMapOvr>
+  <p:timing>
+    <p:tnLst>
+      <p:par>
+        <p:cTn id="1" dur="indefinite" restart="never" nodeType="tmRoot"/>
+      </p:par>
+    </p:tnLst>
+  </p:timing>
 </p:sld>
 </file>
 
@@ -4478,6 +5052,71 @@
           </a:p>
         </p:txBody>
       </p:sp>
+      <p:sp>
+        <p:nvSpPr>
+          <p:cNvPr id="4" name="Tijdelijke aanduiding voor datum 3"/>
+          <p:cNvSpPr>
+            <a:spLocks noGrp="1"/>
+          </p:cNvSpPr>
+          <p:nvPr>
+            <p:ph type="dt" sz="half" idx="10"/>
+          </p:nvPr>
+        </p:nvSpPr>
+        <p:spPr/>
+        <p:txBody>
+          <a:bodyPr/>
+          <a:lstStyle/>
+          <a:p>
+            <a:fld id="{EBD2DB90-6D7B-4A53-B362-42578FAC17B3}" type="datetime1">
+              <a:rPr lang="nl-NL" smtClean="0"/>
+              <a:t>18-11-2015</a:t>
+            </a:fld>
+            <a:endParaRPr lang="nl-NL"/>
+          </a:p>
+        </p:txBody>
+      </p:sp>
+      <p:sp>
+        <p:nvSpPr>
+          <p:cNvPr id="5" name="Tijdelijke aanduiding voor voettekst 4"/>
+          <p:cNvSpPr>
+            <a:spLocks noGrp="1"/>
+          </p:cNvSpPr>
+          <p:nvPr>
+            <p:ph type="ftr" sz="quarter" idx="11"/>
+          </p:nvPr>
+        </p:nvSpPr>
+        <p:spPr/>
+        <p:txBody>
+          <a:bodyPr/>
+          <a:lstStyle/>
+          <a:p>
+            <a:endParaRPr lang="nl-NL"/>
+          </a:p>
+        </p:txBody>
+      </p:sp>
+      <p:sp>
+        <p:nvSpPr>
+          <p:cNvPr id="6" name="Tijdelijke aanduiding voor dianummer 5"/>
+          <p:cNvSpPr>
+            <a:spLocks noGrp="1"/>
+          </p:cNvSpPr>
+          <p:nvPr>
+            <p:ph type="sldNum" sz="quarter" idx="12"/>
+          </p:nvPr>
+        </p:nvSpPr>
+        <p:spPr/>
+        <p:txBody>
+          <a:bodyPr/>
+          <a:lstStyle/>
+          <a:p>
+            <a:fld id="{8EDE433C-975D-40E0-AA17-C907AC02EBEB}" type="slidenum">
+              <a:rPr lang="nl-NL" smtClean="0"/>
+              <a:t>5</a:t>
+            </a:fld>
+            <a:endParaRPr lang="nl-NL"/>
+          </a:p>
+        </p:txBody>
+      </p:sp>
     </p:spTree>
     <p:extLst>
       <p:ext uri="{BB962C8B-B14F-4D97-AF65-F5344CB8AC3E}">
@@ -4488,6 +5127,13 @@
   <p:clrMapOvr>
     <a:masterClrMapping/>
   </p:clrMapOvr>
+  <p:timing>
+    <p:tnLst>
+      <p:par>
+        <p:cTn id="1" dur="indefinite" restart="never" nodeType="tmRoot"/>
+      </p:par>
+    </p:tnLst>
+  </p:timing>
 </p:sld>
 </file>
 
@@ -4595,7 +5241,71 @@
               <a:rPr lang="en-US" dirty="0" smtClean="0"/>
               <a:t>REST, AJAX</a:t>
             </a:r>
-            <a:endParaRPr lang="en-US" dirty="0" smtClean="0"/>
+          </a:p>
+        </p:txBody>
+      </p:sp>
+      <p:sp>
+        <p:nvSpPr>
+          <p:cNvPr id="4" name="Tijdelijke aanduiding voor datum 3"/>
+          <p:cNvSpPr>
+            <a:spLocks noGrp="1"/>
+          </p:cNvSpPr>
+          <p:nvPr>
+            <p:ph type="dt" sz="half" idx="10"/>
+          </p:nvPr>
+        </p:nvSpPr>
+        <p:spPr/>
+        <p:txBody>
+          <a:bodyPr/>
+          <a:lstStyle/>
+          <a:p>
+            <a:fld id="{8D1E986A-A3FC-4DFB-9A69-4CDB033E7C59}" type="datetime1">
+              <a:rPr lang="nl-NL" smtClean="0"/>
+              <a:t>18-11-2015</a:t>
+            </a:fld>
+            <a:endParaRPr lang="nl-NL"/>
+          </a:p>
+        </p:txBody>
+      </p:sp>
+      <p:sp>
+        <p:nvSpPr>
+          <p:cNvPr id="5" name="Tijdelijke aanduiding voor voettekst 4"/>
+          <p:cNvSpPr>
+            <a:spLocks noGrp="1"/>
+          </p:cNvSpPr>
+          <p:nvPr>
+            <p:ph type="ftr" sz="quarter" idx="11"/>
+          </p:nvPr>
+        </p:nvSpPr>
+        <p:spPr/>
+        <p:txBody>
+          <a:bodyPr/>
+          <a:lstStyle/>
+          <a:p>
+            <a:endParaRPr lang="nl-NL"/>
+          </a:p>
+        </p:txBody>
+      </p:sp>
+      <p:sp>
+        <p:nvSpPr>
+          <p:cNvPr id="6" name="Tijdelijke aanduiding voor dianummer 5"/>
+          <p:cNvSpPr>
+            <a:spLocks noGrp="1"/>
+          </p:cNvSpPr>
+          <p:nvPr>
+            <p:ph type="sldNum" sz="quarter" idx="12"/>
+          </p:nvPr>
+        </p:nvSpPr>
+        <p:spPr/>
+        <p:txBody>
+          <a:bodyPr/>
+          <a:lstStyle/>
+          <a:p>
+            <a:fld id="{8EDE433C-975D-40E0-AA17-C907AC02EBEB}" type="slidenum">
+              <a:rPr lang="nl-NL" smtClean="0"/>
+              <a:t>6</a:t>
+            </a:fld>
+            <a:endParaRPr lang="nl-NL"/>
           </a:p>
         </p:txBody>
       </p:sp>
@@ -4604,6 +5314,13 @@
   <p:clrMapOvr>
     <a:masterClrMapping/>
   </p:clrMapOvr>
+  <p:timing>
+    <p:tnLst>
+      <p:par>
+        <p:cTn id="1" dur="indefinite" restart="never" nodeType="tmRoot"/>
+      </p:par>
+    </p:tnLst>
+  </p:timing>
 </p:sld>
 </file>
 
@@ -4734,11 +5451,83 @@
           </a:p>
         </p:txBody>
       </p:sp>
+      <p:sp>
+        <p:nvSpPr>
+          <p:cNvPr id="4" name="Tijdelijke aanduiding voor datum 3"/>
+          <p:cNvSpPr>
+            <a:spLocks noGrp="1"/>
+          </p:cNvSpPr>
+          <p:nvPr>
+            <p:ph type="dt" sz="half" idx="10"/>
+          </p:nvPr>
+        </p:nvSpPr>
+        <p:spPr/>
+        <p:txBody>
+          <a:bodyPr/>
+          <a:lstStyle/>
+          <a:p>
+            <a:fld id="{B684ECDE-4B27-47F6-8865-D32E66B1F40E}" type="datetime1">
+              <a:rPr lang="nl-NL" smtClean="0"/>
+              <a:t>18-11-2015</a:t>
+            </a:fld>
+            <a:endParaRPr lang="nl-NL"/>
+          </a:p>
+        </p:txBody>
+      </p:sp>
+      <p:sp>
+        <p:nvSpPr>
+          <p:cNvPr id="5" name="Tijdelijke aanduiding voor voettekst 4"/>
+          <p:cNvSpPr>
+            <a:spLocks noGrp="1"/>
+          </p:cNvSpPr>
+          <p:nvPr>
+            <p:ph type="ftr" sz="quarter" idx="11"/>
+          </p:nvPr>
+        </p:nvSpPr>
+        <p:spPr/>
+        <p:txBody>
+          <a:bodyPr/>
+          <a:lstStyle/>
+          <a:p>
+            <a:endParaRPr lang="nl-NL"/>
+          </a:p>
+        </p:txBody>
+      </p:sp>
+      <p:sp>
+        <p:nvSpPr>
+          <p:cNvPr id="6" name="Tijdelijke aanduiding voor dianummer 5"/>
+          <p:cNvSpPr>
+            <a:spLocks noGrp="1"/>
+          </p:cNvSpPr>
+          <p:nvPr>
+            <p:ph type="sldNum" sz="quarter" idx="12"/>
+          </p:nvPr>
+        </p:nvSpPr>
+        <p:spPr/>
+        <p:txBody>
+          <a:bodyPr/>
+          <a:lstStyle/>
+          <a:p>
+            <a:fld id="{8EDE433C-975D-40E0-AA17-C907AC02EBEB}" type="slidenum">
+              <a:rPr lang="nl-NL" smtClean="0"/>
+              <a:t>7</a:t>
+            </a:fld>
+            <a:endParaRPr lang="nl-NL"/>
+          </a:p>
+        </p:txBody>
+      </p:sp>
     </p:spTree>
   </p:cSld>
   <p:clrMapOvr>
     <a:masterClrMapping/>
   </p:clrMapOvr>
+  <p:timing>
+    <p:tnLst>
+      <p:par>
+        <p:cTn id="1" dur="indefinite" restart="never" nodeType="tmRoot"/>
+      </p:par>
+    </p:tnLst>
+  </p:timing>
 </p:sld>
 </file>
 
@@ -4775,8 +5564,12 @@
           <a:lstStyle/>
           <a:p>
             <a:r>
+              <a:rPr lang="en-US" dirty="0" err="1" smtClean="0"/>
+              <a:t>mySQL</a:t>
+            </a:r>
+            <a:r>
               <a:rPr lang="en-US" dirty="0" smtClean="0"/>
-              <a:t>Database</a:t>
+              <a:t> Database</a:t>
             </a:r>
             <a:endParaRPr lang="nl-NL" dirty="0"/>
           </a:p>
@@ -4799,8 +5592,21 @@
           <a:p>
             <a:r>
               <a:rPr lang="nl-NL" dirty="0" smtClean="0"/>
-              <a:t>Opslaan van Spelers</a:t>
-            </a:r>
+              <a:t>Opslaan van </a:t>
+            </a:r>
+            <a:r>
+              <a:rPr lang="nl-NL" dirty="0" smtClean="0"/>
+              <a:t>Spelers (</a:t>
+            </a:r>
+            <a:r>
+              <a:rPr lang="nl-NL" dirty="0" err="1" smtClean="0"/>
+              <a:t>Hibernate</a:t>
+            </a:r>
+            <a:r>
+              <a:rPr lang="nl-NL" dirty="0" smtClean="0"/>
+              <a:t>)</a:t>
+            </a:r>
+            <a:endParaRPr lang="nl-NL" dirty="0" smtClean="0"/>
           </a:p>
           <a:p>
             <a:pPr lvl="1"/>
@@ -4872,11 +5678,17 @@
               </a:rPr>
               <a:t>OneToMany</a:t>
             </a:r>
+            <a:endParaRPr lang="nl-NL" dirty="0">
+              <a:sym typeface="Wingdings" panose="05000000000000000000" pitchFamily="2" charset="2"/>
+            </a:endParaRPr>
+          </a:p>
+          <a:p>
+            <a:pPr lvl="3"/>
             <a:r>
               <a:rPr lang="nl-NL" dirty="0" smtClean="0">
                 <a:sym typeface="Wingdings" panose="05000000000000000000" pitchFamily="2" charset="2"/>
               </a:rPr>
-              <a:t> relaties</a:t>
+              <a:t>Speler - Boot</a:t>
             </a:r>
           </a:p>
           <a:p>
@@ -4885,11 +5697,26 @@
               <a:rPr lang="nl-NL" dirty="0" smtClean="0">
                 <a:sym typeface="Wingdings" panose="05000000000000000000" pitchFamily="2" charset="2"/>
               </a:rPr>
-              <a:t>Bord –Vakjes</a:t>
-            </a:r>
-          </a:p>
-          <a:p>
-            <a:pPr lvl="3"/>
+              <a:t>Bord </a:t>
+            </a:r>
+            <a:r>
+              <a:rPr lang="nl-NL" dirty="0">
+                <a:sym typeface="Wingdings" panose="05000000000000000000" pitchFamily="2" charset="2"/>
+              </a:rPr>
+              <a:t>-</a:t>
+            </a:r>
+            <a:r>
+              <a:rPr lang="nl-NL" dirty="0" smtClean="0">
+                <a:sym typeface="Wingdings" panose="05000000000000000000" pitchFamily="2" charset="2"/>
+              </a:rPr>
+              <a:t>Vakje</a:t>
+            </a:r>
+            <a:endParaRPr lang="nl-NL" dirty="0" smtClean="0">
+              <a:sym typeface="Wingdings" panose="05000000000000000000" pitchFamily="2" charset="2"/>
+            </a:endParaRPr>
+          </a:p>
+          <a:p>
+            <a:pPr lvl="4"/>
             <a:r>
               <a:rPr lang="nl-NL" dirty="0" err="1" smtClean="0">
                 <a:sym typeface="Wingdings" panose="05000000000000000000" pitchFamily="2" charset="2"/>
@@ -4919,6 +5746,125 @@
           <a:p>
             <a:pPr lvl="1"/>
             <a:endParaRPr lang="nl-NL" dirty="0"/>
+          </a:p>
+        </p:txBody>
+      </p:sp>
+      <p:pic>
+        <p:nvPicPr>
+          <p:cNvPr id="1026" name="Picture 2"/>
+          <p:cNvPicPr>
+            <a:picLocks noChangeAspect="1" noChangeArrowheads="1"/>
+          </p:cNvPicPr>
+          <p:nvPr/>
+        </p:nvPicPr>
+        <p:blipFill>
+          <a:blip r:embed="rId2">
+            <a:extLst>
+              <a:ext uri="{28A0092B-C50C-407E-A947-70E740481C1C}">
+                <a14:useLocalDpi xmlns:a14="http://schemas.microsoft.com/office/drawing/2010/main" val="0"/>
+              </a:ext>
+            </a:extLst>
+          </a:blip>
+          <a:srcRect/>
+          <a:stretch>
+            <a:fillRect/>
+          </a:stretch>
+        </p:blipFill>
+        <p:spPr bwMode="auto">
+          <a:xfrm>
+            <a:off x="6012160" y="3429000"/>
+            <a:ext cx="2715346" cy="2232248"/>
+          </a:xfrm>
+          <a:prstGeom prst="rect">
+            <a:avLst/>
+          </a:prstGeom>
+          <a:noFill/>
+          <a:ln>
+            <a:noFill/>
+          </a:ln>
+          <a:extLst>
+            <a:ext uri="{909E8E84-426E-40DD-AFC4-6F175D3DCCD1}">
+              <a14:hiddenFill xmlns:a14="http://schemas.microsoft.com/office/drawing/2010/main">
+                <a:solidFill>
+                  <a:schemeClr val="accent1"/>
+                </a:solidFill>
+              </a14:hiddenFill>
+            </a:ext>
+            <a:ext uri="{91240B29-F687-4F45-9708-019B960494DF}">
+              <a14:hiddenLine xmlns:a14="http://schemas.microsoft.com/office/drawing/2010/main" w="9525">
+                <a:solidFill>
+                  <a:schemeClr val="tx1"/>
+                </a:solidFill>
+                <a:miter lim="800000"/>
+                <a:headEnd/>
+                <a:tailEnd/>
+              </a14:hiddenLine>
+            </a:ext>
+          </a:extLst>
+        </p:spPr>
+      </p:pic>
+      <p:sp>
+        <p:nvSpPr>
+          <p:cNvPr id="4" name="Tijdelijke aanduiding voor datum 3"/>
+          <p:cNvSpPr>
+            <a:spLocks noGrp="1"/>
+          </p:cNvSpPr>
+          <p:nvPr>
+            <p:ph type="dt" sz="half" idx="10"/>
+          </p:nvPr>
+        </p:nvSpPr>
+        <p:spPr/>
+        <p:txBody>
+          <a:bodyPr/>
+          <a:lstStyle/>
+          <a:p>
+            <a:fld id="{555D3B63-88C4-45AD-828B-DBF901C08C20}" type="datetime1">
+              <a:rPr lang="nl-NL" smtClean="0"/>
+              <a:t>18-11-2015</a:t>
+            </a:fld>
+            <a:endParaRPr lang="nl-NL"/>
+          </a:p>
+        </p:txBody>
+      </p:sp>
+      <p:sp>
+        <p:nvSpPr>
+          <p:cNvPr id="5" name="Tijdelijke aanduiding voor voettekst 4"/>
+          <p:cNvSpPr>
+            <a:spLocks noGrp="1"/>
+          </p:cNvSpPr>
+          <p:nvPr>
+            <p:ph type="ftr" sz="quarter" idx="11"/>
+          </p:nvPr>
+        </p:nvSpPr>
+        <p:spPr/>
+        <p:txBody>
+          <a:bodyPr/>
+          <a:lstStyle/>
+          <a:p>
+            <a:endParaRPr lang="nl-NL"/>
+          </a:p>
+        </p:txBody>
+      </p:sp>
+      <p:sp>
+        <p:nvSpPr>
+          <p:cNvPr id="6" name="Tijdelijke aanduiding voor dianummer 5"/>
+          <p:cNvSpPr>
+            <a:spLocks noGrp="1"/>
+          </p:cNvSpPr>
+          <p:nvPr>
+            <p:ph type="sldNum" sz="quarter" idx="12"/>
+          </p:nvPr>
+        </p:nvSpPr>
+        <p:spPr/>
+        <p:txBody>
+          <a:bodyPr/>
+          <a:lstStyle/>
+          <a:p>
+            <a:fld id="{8EDE433C-975D-40E0-AA17-C907AC02EBEB}" type="slidenum">
+              <a:rPr lang="nl-NL" smtClean="0"/>
+              <a:t>8</a:t>
+            </a:fld>
+            <a:endParaRPr lang="nl-NL"/>
           </a:p>
         </p:txBody>
       </p:sp>
@@ -4927,6 +5873,13 @@
   <p:clrMapOvr>
     <a:masterClrMapping/>
   </p:clrMapOvr>
+  <p:timing>
+    <p:tnLst>
+      <p:par>
+        <p:cTn id="1" dur="indefinite" restart="never" nodeType="tmRoot"/>
+      </p:par>
+    </p:tnLst>
+  </p:timing>
 </p:sld>
 </file>
 
@@ -5045,11 +5998,83 @@
           </a:p>
         </p:txBody>
       </p:sp>
+      <p:sp>
+        <p:nvSpPr>
+          <p:cNvPr id="4" name="Tijdelijke aanduiding voor datum 3"/>
+          <p:cNvSpPr>
+            <a:spLocks noGrp="1"/>
+          </p:cNvSpPr>
+          <p:nvPr>
+            <p:ph type="dt" sz="half" idx="10"/>
+          </p:nvPr>
+        </p:nvSpPr>
+        <p:spPr/>
+        <p:txBody>
+          <a:bodyPr/>
+          <a:lstStyle/>
+          <a:p>
+            <a:fld id="{8057A74B-70C0-40BF-B931-6798F66A011A}" type="datetime1">
+              <a:rPr lang="nl-NL" smtClean="0"/>
+              <a:t>18-11-2015</a:t>
+            </a:fld>
+            <a:endParaRPr lang="nl-NL"/>
+          </a:p>
+        </p:txBody>
+      </p:sp>
+      <p:sp>
+        <p:nvSpPr>
+          <p:cNvPr id="5" name="Tijdelijke aanduiding voor voettekst 4"/>
+          <p:cNvSpPr>
+            <a:spLocks noGrp="1"/>
+          </p:cNvSpPr>
+          <p:nvPr>
+            <p:ph type="ftr" sz="quarter" idx="11"/>
+          </p:nvPr>
+        </p:nvSpPr>
+        <p:spPr/>
+        <p:txBody>
+          <a:bodyPr/>
+          <a:lstStyle/>
+          <a:p>
+            <a:endParaRPr lang="nl-NL"/>
+          </a:p>
+        </p:txBody>
+      </p:sp>
+      <p:sp>
+        <p:nvSpPr>
+          <p:cNvPr id="6" name="Tijdelijke aanduiding voor dianummer 5"/>
+          <p:cNvSpPr>
+            <a:spLocks noGrp="1"/>
+          </p:cNvSpPr>
+          <p:nvPr>
+            <p:ph type="sldNum" sz="quarter" idx="12"/>
+          </p:nvPr>
+        </p:nvSpPr>
+        <p:spPr/>
+        <p:txBody>
+          <a:bodyPr/>
+          <a:lstStyle/>
+          <a:p>
+            <a:fld id="{8EDE433C-975D-40E0-AA17-C907AC02EBEB}" type="slidenum">
+              <a:rPr lang="nl-NL" smtClean="0"/>
+              <a:t>9</a:t>
+            </a:fld>
+            <a:endParaRPr lang="nl-NL"/>
+          </a:p>
+        </p:txBody>
+      </p:sp>
     </p:spTree>
   </p:cSld>
   <p:clrMapOvr>
     <a:masterClrMapping/>
   </p:clrMapOvr>
+  <p:timing>
+    <p:tnLst>
+      <p:par>
+        <p:cTn id="1" dur="indefinite" restart="never" nodeType="tmRoot"/>
+      </p:par>
+    </p:tnLst>
+  </p:timing>
 </p:sld>
 </file>
 
